--- a/Day3/Day3-3.pptx
+++ b/Day3/Day3-3.pptx
@@ -5,21 +5,26 @@
     <p:sldMasterId id="2147483660" r:id="rId1"/>
   </p:sldMasterIdLst>
   <p:notesMasterIdLst>
-    <p:notesMasterId r:id="rId14"/>
+    <p:notesMasterId r:id="rId19"/>
   </p:notesMasterIdLst>
   <p:sldIdLst>
     <p:sldId id="256" r:id="rId2"/>
-    <p:sldId id="280" r:id="rId3"/>
-    <p:sldId id="282" r:id="rId4"/>
-    <p:sldId id="284" r:id="rId5"/>
-    <p:sldId id="283" r:id="rId6"/>
-    <p:sldId id="285" r:id="rId7"/>
-    <p:sldId id="286" r:id="rId8"/>
-    <p:sldId id="287" r:id="rId9"/>
-    <p:sldId id="288" r:id="rId10"/>
-    <p:sldId id="289" r:id="rId11"/>
-    <p:sldId id="290" r:id="rId12"/>
-    <p:sldId id="291" r:id="rId13"/>
+    <p:sldId id="295" r:id="rId3"/>
+    <p:sldId id="296" r:id="rId4"/>
+    <p:sldId id="280" r:id="rId5"/>
+    <p:sldId id="282" r:id="rId6"/>
+    <p:sldId id="294" r:id="rId7"/>
+    <p:sldId id="283" r:id="rId8"/>
+    <p:sldId id="285" r:id="rId9"/>
+    <p:sldId id="286" r:id="rId10"/>
+    <p:sldId id="287" r:id="rId11"/>
+    <p:sldId id="288" r:id="rId12"/>
+    <p:sldId id="289" r:id="rId13"/>
+    <p:sldId id="290" r:id="rId14"/>
+    <p:sldId id="299" r:id="rId15"/>
+    <p:sldId id="291" r:id="rId16"/>
+    <p:sldId id="297" r:id="rId17"/>
+    <p:sldId id="298" r:id="rId18"/>
   </p:sldIdLst>
   <p:sldSz cx="9144000" cy="6858000" type="screen4x3"/>
   <p:notesSz cx="6858000" cy="9144000"/>
@@ -203,7 +208,7 @@
           <a:p>
             <a:fld id="{D4CB86DC-20C9-45AA-9C21-5865177CCC2D}" type="datetimeFigureOut">
               <a:rPr lang="zh-TW" altLang="en-US" smtClean="0"/>
-              <a:t>2020/7/16</a:t>
+              <a:t>2020/7/18</a:t>
             </a:fld>
             <a:endParaRPr lang="zh-TW" altLang="en-US"/>
           </a:p>
@@ -665,7 +670,7 @@
           <a:p>
             <a:fld id="{5BBEAD13-0566-4C6C-97E7-55F17F24B09F}" type="datetimeFigureOut">
               <a:rPr lang="zh-TW" altLang="en-US" smtClean="0"/>
-              <a:t>2020/7/16</a:t>
+              <a:t>2020/7/18</a:t>
             </a:fld>
             <a:endParaRPr lang="zh-TW" altLang="en-US"/>
           </a:p>
@@ -830,7 +835,7 @@
           <a:p>
             <a:fld id="{5BBEAD13-0566-4C6C-97E7-55F17F24B09F}" type="datetimeFigureOut">
               <a:rPr lang="zh-TW" altLang="en-US" smtClean="0"/>
-              <a:t>2020/7/16</a:t>
+              <a:t>2020/7/18</a:t>
             </a:fld>
             <a:endParaRPr lang="zh-TW" altLang="en-US"/>
           </a:p>
@@ -1005,7 +1010,7 @@
           <a:p>
             <a:fld id="{5BBEAD13-0566-4C6C-97E7-55F17F24B09F}" type="datetimeFigureOut">
               <a:rPr lang="zh-TW" altLang="en-US" smtClean="0"/>
-              <a:t>2020/7/16</a:t>
+              <a:t>2020/7/18</a:t>
             </a:fld>
             <a:endParaRPr lang="zh-TW" altLang="en-US"/>
           </a:p>
@@ -1170,7 +1175,7 @@
           <a:p>
             <a:fld id="{5BBEAD13-0566-4C6C-97E7-55F17F24B09F}" type="datetimeFigureOut">
               <a:rPr lang="zh-TW" altLang="en-US" smtClean="0"/>
-              <a:t>2020/7/16</a:t>
+              <a:t>2020/7/18</a:t>
             </a:fld>
             <a:endParaRPr lang="zh-TW" altLang="en-US"/>
           </a:p>
@@ -1411,7 +1416,7 @@
           <a:p>
             <a:fld id="{5BBEAD13-0566-4C6C-97E7-55F17F24B09F}" type="datetimeFigureOut">
               <a:rPr lang="zh-TW" altLang="en-US" smtClean="0"/>
-              <a:t>2020/7/16</a:t>
+              <a:t>2020/7/18</a:t>
             </a:fld>
             <a:endParaRPr lang="zh-TW" altLang="en-US"/>
           </a:p>
@@ -1694,7 +1699,7 @@
           <a:p>
             <a:fld id="{5BBEAD13-0566-4C6C-97E7-55F17F24B09F}" type="datetimeFigureOut">
               <a:rPr lang="zh-TW" altLang="en-US" smtClean="0"/>
-              <a:t>2020/7/16</a:t>
+              <a:t>2020/7/18</a:t>
             </a:fld>
             <a:endParaRPr lang="zh-TW" altLang="en-US"/>
           </a:p>
@@ -2123,7 +2128,7 @@
           <a:p>
             <a:fld id="{5BBEAD13-0566-4C6C-97E7-55F17F24B09F}" type="datetimeFigureOut">
               <a:rPr lang="zh-TW" altLang="en-US" smtClean="0"/>
-              <a:t>2020/7/16</a:t>
+              <a:t>2020/7/18</a:t>
             </a:fld>
             <a:endParaRPr lang="zh-TW" altLang="en-US"/>
           </a:p>
@@ -2236,7 +2241,7 @@
           <a:p>
             <a:fld id="{5BBEAD13-0566-4C6C-97E7-55F17F24B09F}" type="datetimeFigureOut">
               <a:rPr lang="zh-TW" altLang="en-US" smtClean="0"/>
-              <a:t>2020/7/16</a:t>
+              <a:t>2020/7/18</a:t>
             </a:fld>
             <a:endParaRPr lang="zh-TW" altLang="en-US"/>
           </a:p>
@@ -2326,7 +2331,7 @@
           <a:p>
             <a:fld id="{5BBEAD13-0566-4C6C-97E7-55F17F24B09F}" type="datetimeFigureOut">
               <a:rPr lang="zh-TW" altLang="en-US" smtClean="0"/>
-              <a:t>2020/7/16</a:t>
+              <a:t>2020/7/18</a:t>
             </a:fld>
             <a:endParaRPr lang="zh-TW" altLang="en-US"/>
           </a:p>
@@ -2515,7 +2520,7 @@
           <a:p>
             <a:fld id="{5BBEAD13-0566-4C6C-97E7-55F17F24B09F}" type="datetimeFigureOut">
               <a:rPr lang="zh-TW" altLang="en-US" smtClean="0"/>
-              <a:t>2020/7/16</a:t>
+              <a:t>2020/7/18</a:t>
             </a:fld>
             <a:endParaRPr lang="zh-TW" altLang="en-US"/>
           </a:p>
@@ -2833,7 +2838,7 @@
           <a:p>
             <a:fld id="{5BBEAD13-0566-4C6C-97E7-55F17F24B09F}" type="datetimeFigureOut">
               <a:rPr lang="zh-TW" altLang="en-US" smtClean="0"/>
-              <a:t>2020/7/16</a:t>
+              <a:t>2020/7/18</a:t>
             </a:fld>
             <a:endParaRPr lang="zh-TW" altLang="en-US"/>
           </a:p>
@@ -3212,7 +3217,7 @@
           <a:p>
             <a:fld id="{5BBEAD13-0566-4C6C-97E7-55F17F24B09F}" type="datetimeFigureOut">
               <a:rPr lang="zh-TW" altLang="en-US" smtClean="0"/>
-              <a:t>2020/7/16</a:t>
+              <a:t>2020/7/18</a:t>
             </a:fld>
             <a:endParaRPr lang="zh-TW" altLang="en-US"/>
           </a:p>
@@ -3610,10 +3615,461 @@
   <p:clrMapOvr>
     <a:masterClrMapping/>
   </p:clrMapOvr>
+  <p:timing>
+    <p:tnLst>
+      <p:par>
+        <p:cTn id="1" dur="indefinite" restart="never" nodeType="tmRoot"/>
+      </p:par>
+    </p:tnLst>
+  </p:timing>
 </p:sld>
 </file>
 
 <file path=ppt/slides/slide10.xml><?xml version="1.0" encoding="utf-8"?>
+<p:sld xmlns:a="http://schemas.openxmlformats.org/drawingml/2006/main" xmlns:r="http://schemas.openxmlformats.org/officeDocument/2006/relationships" xmlns:p="http://schemas.openxmlformats.org/presentationml/2006/main">
+  <p:cSld>
+    <p:spTree>
+      <p:nvGrpSpPr>
+        <p:cNvPr id="1" name=""/>
+        <p:cNvGrpSpPr/>
+        <p:nvPr/>
+      </p:nvGrpSpPr>
+      <p:grpSpPr>
+        <a:xfrm>
+          <a:off x="0" y="0"/>
+          <a:ext cx="0" cy="0"/>
+          <a:chOff x="0" y="0"/>
+          <a:chExt cx="0" cy="0"/>
+        </a:xfrm>
+      </p:grpSpPr>
+      <p:sp>
+        <p:nvSpPr>
+          <p:cNvPr id="2" name="標題 1"/>
+          <p:cNvSpPr>
+            <a:spLocks noGrp="1"/>
+          </p:cNvSpPr>
+          <p:nvPr>
+            <p:ph type="title"/>
+          </p:nvPr>
+        </p:nvSpPr>
+        <p:spPr/>
+        <p:txBody>
+          <a:bodyPr/>
+          <a:lstStyle/>
+          <a:p>
+            <a:r>
+              <a:rPr lang="en-US" altLang="zh-TW" dirty="0" smtClean="0"/>
+              <a:t>GCE</a:t>
+            </a:r>
+            <a:r>
+              <a:rPr lang="zh-TW" altLang="en-US" dirty="0" smtClean="0"/>
+              <a:t>排程</a:t>
+            </a:r>
+            <a:endParaRPr lang="zh-TW" altLang="en-US" dirty="0"/>
+          </a:p>
+        </p:txBody>
+      </p:sp>
+      <p:sp>
+        <p:nvSpPr>
+          <p:cNvPr id="3" name="內容版面配置區 2"/>
+          <p:cNvSpPr>
+            <a:spLocks noGrp="1"/>
+          </p:cNvSpPr>
+          <p:nvPr>
+            <p:ph idx="1"/>
+          </p:nvPr>
+        </p:nvSpPr>
+        <p:spPr/>
+        <p:txBody>
+          <a:bodyPr/>
+          <a:lstStyle/>
+          <a:p>
+            <a:r>
+              <a:rPr lang="en-US" altLang="zh-TW" dirty="0" err="1" smtClean="0"/>
+              <a:t>crontab</a:t>
+            </a:r>
+            <a:r>
+              <a:rPr lang="en-US" altLang="zh-TW" dirty="0" smtClean="0"/>
+              <a:t> -l</a:t>
+            </a:r>
+          </a:p>
+          <a:p>
+            <a:pPr lvl="1"/>
+            <a:r>
+              <a:rPr lang="zh-TW" altLang="en-US" dirty="0" smtClean="0"/>
+              <a:t>列出已有的</a:t>
+            </a:r>
+            <a:r>
+              <a:rPr lang="en-US" altLang="zh-TW" dirty="0" err="1" smtClean="0"/>
+              <a:t>cron</a:t>
+            </a:r>
+            <a:r>
+              <a:rPr lang="zh-TW" altLang="en-US" dirty="0" smtClean="0"/>
+              <a:t>排程服務</a:t>
+            </a:r>
+            <a:endParaRPr lang="en-US" altLang="zh-TW" dirty="0" smtClean="0"/>
+          </a:p>
+          <a:p>
+            <a:r>
+              <a:rPr lang="en-US" altLang="zh-TW" dirty="0" err="1" smtClean="0"/>
+              <a:t>crontab</a:t>
+            </a:r>
+            <a:r>
+              <a:rPr lang="en-US" altLang="zh-TW" dirty="0" smtClean="0"/>
+              <a:t> -e</a:t>
+            </a:r>
+          </a:p>
+          <a:p>
+            <a:pPr lvl="1"/>
+            <a:r>
+              <a:rPr lang="zh-TW" altLang="en-US" dirty="0" smtClean="0"/>
+              <a:t>編輯排程服務檔</a:t>
+            </a:r>
+            <a:endParaRPr lang="en-US" altLang="zh-TW" dirty="0" smtClean="0"/>
+          </a:p>
+          <a:p>
+            <a:pPr lvl="1"/>
+            <a:r>
+              <a:rPr lang="zh-TW" altLang="en-US" dirty="0" smtClean="0"/>
+              <a:t>選</a:t>
+            </a:r>
+            <a:r>
+              <a:rPr lang="en-US" altLang="zh-TW" dirty="0" smtClean="0"/>
+              <a:t>1 </a:t>
+            </a:r>
+            <a:r>
+              <a:rPr lang="zh-TW" altLang="en-US" dirty="0" smtClean="0"/>
+              <a:t>使用 </a:t>
+            </a:r>
+            <a:r>
+              <a:rPr lang="en-US" altLang="zh-TW" dirty="0" err="1" smtClean="0"/>
+              <a:t>nano</a:t>
+            </a:r>
+            <a:endParaRPr lang="en-US" altLang="zh-TW" dirty="0" smtClean="0"/>
+          </a:p>
+          <a:p>
+            <a:endParaRPr lang="zh-TW" altLang="en-US" dirty="0"/>
+          </a:p>
+        </p:txBody>
+      </p:sp>
+      <p:pic>
+        <p:nvPicPr>
+          <p:cNvPr id="7170" name="Picture 2"/>
+          <p:cNvPicPr>
+            <a:picLocks noChangeAspect="1" noChangeArrowheads="1"/>
+          </p:cNvPicPr>
+          <p:nvPr/>
+        </p:nvPicPr>
+        <p:blipFill>
+          <a:blip r:embed="rId2">
+            <a:extLst>
+              <a:ext uri="{28A0092B-C50C-407E-A947-70E740481C1C}">
+                <a14:useLocalDpi xmlns:a14="http://schemas.microsoft.com/office/drawing/2010/main" val="0"/>
+              </a:ext>
+            </a:extLst>
+          </a:blip>
+          <a:srcRect/>
+          <a:stretch>
+            <a:fillRect/>
+          </a:stretch>
+        </p:blipFill>
+        <p:spPr bwMode="auto">
+          <a:xfrm>
+            <a:off x="2123728" y="4314825"/>
+            <a:ext cx="4143375" cy="1771650"/>
+          </a:xfrm>
+          <a:prstGeom prst="rect">
+            <a:avLst/>
+          </a:prstGeom>
+          <a:noFill/>
+          <a:ln>
+            <a:noFill/>
+          </a:ln>
+          <a:effectLst/>
+          <a:extLst>
+            <a:ext uri="{909E8E84-426E-40DD-AFC4-6F175D3DCCD1}">
+              <a14:hiddenFill xmlns:a14="http://schemas.microsoft.com/office/drawing/2010/main">
+                <a:solidFill>
+                  <a:schemeClr val="accent1"/>
+                </a:solidFill>
+              </a14:hiddenFill>
+            </a:ext>
+            <a:ext uri="{91240B29-F687-4F45-9708-019B960494DF}">
+              <a14:hiddenLine xmlns:a14="http://schemas.microsoft.com/office/drawing/2010/main" w="9525">
+                <a:solidFill>
+                  <a:schemeClr val="tx1"/>
+                </a:solidFill>
+                <a:miter lim="800000"/>
+                <a:headEnd/>
+                <a:tailEnd/>
+              </a14:hiddenLine>
+            </a:ext>
+            <a:ext uri="{AF507438-7753-43E0-B8FC-AC1667EBCBE1}">
+              <a14:hiddenEffects xmlns:a14="http://schemas.microsoft.com/office/drawing/2010/main">
+                <a:effectLst>
+                  <a:outerShdw dist="35921" dir="2700000" algn="ctr" rotWithShape="0">
+                    <a:schemeClr val="bg2"/>
+                  </a:outerShdw>
+                </a:effectLst>
+              </a14:hiddenEffects>
+            </a:ext>
+          </a:extLst>
+        </p:spPr>
+      </p:pic>
+    </p:spTree>
+    <p:extLst>
+      <p:ext uri="{BB962C8B-B14F-4D97-AF65-F5344CB8AC3E}">
+        <p14:creationId xmlns:p14="http://schemas.microsoft.com/office/powerpoint/2010/main" val="3086947007"/>
+      </p:ext>
+    </p:extLst>
+  </p:cSld>
+  <p:clrMapOvr>
+    <a:masterClrMapping/>
+  </p:clrMapOvr>
+</p:sld>
+</file>
+
+<file path=ppt/slides/slide11.xml><?xml version="1.0" encoding="utf-8"?>
+<p:sld xmlns:a="http://schemas.openxmlformats.org/drawingml/2006/main" xmlns:r="http://schemas.openxmlformats.org/officeDocument/2006/relationships" xmlns:p="http://schemas.openxmlformats.org/presentationml/2006/main">
+  <p:cSld>
+    <p:spTree>
+      <p:nvGrpSpPr>
+        <p:cNvPr id="1" name=""/>
+        <p:cNvGrpSpPr/>
+        <p:nvPr/>
+      </p:nvGrpSpPr>
+      <p:grpSpPr>
+        <a:xfrm>
+          <a:off x="0" y="0"/>
+          <a:ext cx="0" cy="0"/>
+          <a:chOff x="0" y="0"/>
+          <a:chExt cx="0" cy="0"/>
+        </a:xfrm>
+      </p:grpSpPr>
+      <p:sp>
+        <p:nvSpPr>
+          <p:cNvPr id="2" name="標題 1"/>
+          <p:cNvSpPr>
+            <a:spLocks noGrp="1"/>
+          </p:cNvSpPr>
+          <p:nvPr>
+            <p:ph type="title"/>
+          </p:nvPr>
+        </p:nvSpPr>
+        <p:spPr/>
+        <p:txBody>
+          <a:bodyPr/>
+          <a:lstStyle/>
+          <a:p>
+            <a:r>
+              <a:rPr lang="en-US" altLang="zh-TW" dirty="0" smtClean="0"/>
+              <a:t>GCE</a:t>
+            </a:r>
+            <a:r>
+              <a:rPr lang="zh-TW" altLang="en-US" dirty="0" smtClean="0"/>
+              <a:t>排程</a:t>
+            </a:r>
+            <a:endParaRPr lang="zh-TW" altLang="en-US" dirty="0"/>
+          </a:p>
+        </p:txBody>
+      </p:sp>
+      <p:sp>
+        <p:nvSpPr>
+          <p:cNvPr id="3" name="內容版面配置區 2"/>
+          <p:cNvSpPr>
+            <a:spLocks noGrp="1"/>
+          </p:cNvSpPr>
+          <p:nvPr>
+            <p:ph idx="1"/>
+          </p:nvPr>
+        </p:nvSpPr>
+        <p:spPr/>
+        <p:txBody>
+          <a:bodyPr/>
+          <a:lstStyle/>
+          <a:p>
+            <a:r>
+              <a:rPr lang="zh-TW" altLang="en-US" dirty="0" smtClean="0"/>
+              <a:t>在最底下貼上 </a:t>
+            </a:r>
+            <a:r>
+              <a:rPr lang="en-US" altLang="zh-TW" dirty="0" smtClean="0"/>
+              <a:t/>
+            </a:r>
+            <a:br>
+              <a:rPr lang="en-US" altLang="zh-TW" dirty="0" smtClean="0"/>
+            </a:br>
+            <a:r>
+              <a:rPr lang="en-US" altLang="zh-TW" dirty="0" smtClean="0"/>
+              <a:t>* </a:t>
+            </a:r>
+            <a:r>
+              <a:rPr lang="en-US" altLang="zh-TW" dirty="0"/>
+              <a:t>* * * * python3 /</a:t>
+            </a:r>
+            <a:r>
+              <a:rPr lang="en-US" altLang="zh-TW" dirty="0" smtClean="0"/>
+              <a:t>home/malo_richart/line_env/test1/test.py</a:t>
+            </a:r>
+          </a:p>
+          <a:p>
+            <a:pPr lvl="1"/>
+            <a:r>
+              <a:rPr lang="zh-TW" altLang="en-US" dirty="0" smtClean="0"/>
+              <a:t>這個指令欄位在檔案中有說明</a:t>
+            </a:r>
+            <a:endParaRPr lang="en-US" altLang="zh-TW" dirty="0" smtClean="0"/>
+          </a:p>
+          <a:p>
+            <a:r>
+              <a:rPr lang="zh-TW" altLang="en-US" dirty="0" smtClean="0"/>
+              <a:t>按 </a:t>
+            </a:r>
+            <a:r>
+              <a:rPr lang="en-US" altLang="zh-TW" dirty="0" err="1" smtClean="0"/>
+              <a:t>Ctrl^o</a:t>
+            </a:r>
+            <a:r>
+              <a:rPr lang="en-US" altLang="zh-TW" dirty="0" smtClean="0"/>
+              <a:t> </a:t>
+            </a:r>
+            <a:r>
+              <a:rPr lang="zh-TW" altLang="en-US" dirty="0" smtClean="0"/>
+              <a:t>存檔</a:t>
+            </a:r>
+            <a:endParaRPr lang="en-US" altLang="zh-TW" dirty="0" smtClean="0"/>
+          </a:p>
+          <a:p>
+            <a:r>
+              <a:rPr lang="zh-TW" altLang="en-US" dirty="0" smtClean="0"/>
+              <a:t>按 </a:t>
+            </a:r>
+            <a:r>
+              <a:rPr lang="en-US" altLang="zh-TW" dirty="0" err="1" smtClean="0"/>
+              <a:t>Ctrl^x</a:t>
+            </a:r>
+            <a:r>
+              <a:rPr lang="en-US" altLang="zh-TW" dirty="0" smtClean="0"/>
+              <a:t> </a:t>
+            </a:r>
+            <a:r>
+              <a:rPr lang="zh-TW" altLang="en-US" dirty="0" smtClean="0"/>
+              <a:t>離開</a:t>
+            </a:r>
+            <a:endParaRPr lang="en-US" altLang="zh-TW" dirty="0" smtClean="0"/>
+          </a:p>
+          <a:p>
+            <a:r>
+              <a:rPr lang="zh-TW" altLang="en-US" dirty="0" smtClean="0"/>
+              <a:t>至此等一分鐘</a:t>
+            </a:r>
+            <a:r>
+              <a:rPr lang="en-US" altLang="zh-TW" dirty="0" smtClean="0"/>
+              <a:t/>
+            </a:r>
+            <a:br>
+              <a:rPr lang="en-US" altLang="zh-TW" dirty="0" smtClean="0"/>
+            </a:br>
+            <a:r>
+              <a:rPr lang="zh-TW" altLang="en-US" dirty="0" smtClean="0"/>
+              <a:t>就會有</a:t>
+            </a:r>
+            <a:r>
+              <a:rPr lang="en-US" altLang="zh-TW" dirty="0" smtClean="0"/>
+              <a:t>line</a:t>
+            </a:r>
+            <a:r>
+              <a:rPr lang="zh-TW" altLang="en-US" dirty="0" smtClean="0"/>
+              <a:t>訊息傳出</a:t>
+            </a:r>
+            <a:endParaRPr lang="en-US" altLang="zh-TW" dirty="0" smtClean="0"/>
+          </a:p>
+          <a:p>
+            <a:endParaRPr lang="en-US" altLang="zh-TW" dirty="0" smtClean="0"/>
+          </a:p>
+          <a:p>
+            <a:endParaRPr lang="zh-TW" altLang="en-US" dirty="0"/>
+          </a:p>
+        </p:txBody>
+      </p:sp>
+      <p:pic>
+        <p:nvPicPr>
+          <p:cNvPr id="8194" name="Picture 2"/>
+          <p:cNvPicPr>
+            <a:picLocks noChangeAspect="1" noChangeArrowheads="1"/>
+          </p:cNvPicPr>
+          <p:nvPr/>
+        </p:nvPicPr>
+        <p:blipFill>
+          <a:blip r:embed="rId2">
+            <a:extLst>
+              <a:ext uri="{28A0092B-C50C-407E-A947-70E740481C1C}">
+                <a14:useLocalDpi xmlns:a14="http://schemas.microsoft.com/office/drawing/2010/main" val="0"/>
+              </a:ext>
+            </a:extLst>
+          </a:blip>
+          <a:srcRect/>
+          <a:stretch>
+            <a:fillRect/>
+          </a:stretch>
+        </p:blipFill>
+        <p:spPr bwMode="auto">
+          <a:xfrm>
+            <a:off x="3347864" y="2832423"/>
+            <a:ext cx="4640585" cy="3774342"/>
+          </a:xfrm>
+          <a:prstGeom prst="rect">
+            <a:avLst/>
+          </a:prstGeom>
+          <a:noFill/>
+          <a:ln>
+            <a:noFill/>
+          </a:ln>
+          <a:effectLst/>
+          <a:extLst>
+            <a:ext uri="{909E8E84-426E-40DD-AFC4-6F175D3DCCD1}">
+              <a14:hiddenFill xmlns:a14="http://schemas.microsoft.com/office/drawing/2010/main">
+                <a:solidFill>
+                  <a:schemeClr val="accent1"/>
+                </a:solidFill>
+              </a14:hiddenFill>
+            </a:ext>
+            <a:ext uri="{91240B29-F687-4F45-9708-019B960494DF}">
+              <a14:hiddenLine xmlns:a14="http://schemas.microsoft.com/office/drawing/2010/main" w="9525">
+                <a:solidFill>
+                  <a:schemeClr val="tx1"/>
+                </a:solidFill>
+                <a:miter lim="800000"/>
+                <a:headEnd/>
+                <a:tailEnd/>
+              </a14:hiddenLine>
+            </a:ext>
+            <a:ext uri="{AF507438-7753-43E0-B8FC-AC1667EBCBE1}">
+              <a14:hiddenEffects xmlns:a14="http://schemas.microsoft.com/office/drawing/2010/main">
+                <a:effectLst>
+                  <a:outerShdw dist="35921" dir="2700000" algn="ctr" rotWithShape="0">
+                    <a:schemeClr val="bg2"/>
+                  </a:outerShdw>
+                </a:effectLst>
+              </a14:hiddenEffects>
+            </a:ext>
+          </a:extLst>
+        </p:spPr>
+      </p:pic>
+    </p:spTree>
+    <p:extLst>
+      <p:ext uri="{BB962C8B-B14F-4D97-AF65-F5344CB8AC3E}">
+        <p14:creationId xmlns:p14="http://schemas.microsoft.com/office/powerpoint/2010/main" val="3276392029"/>
+      </p:ext>
+    </p:extLst>
+  </p:cSld>
+  <p:clrMapOvr>
+    <a:masterClrMapping/>
+  </p:clrMapOvr>
+</p:sld>
+</file>
+
+<file path=ppt/slides/slide12.xml><?xml version="1.0" encoding="utf-8"?>
 <p:sld xmlns:a="http://schemas.openxmlformats.org/drawingml/2006/main" xmlns:r="http://schemas.openxmlformats.org/officeDocument/2006/relationships" xmlns:p="http://schemas.openxmlformats.org/presentationml/2006/main">
   <p:cSld>
     <p:spTree>
@@ -4027,7 +4483,7 @@
 </p:sld>
 </file>
 
-<file path=ppt/slides/slide11.xml><?xml version="1.0" encoding="utf-8"?>
+<file path=ppt/slides/slide13.xml><?xml version="1.0" encoding="utf-8"?>
 <p:sld xmlns:a="http://schemas.openxmlformats.org/drawingml/2006/main" xmlns:r="http://schemas.openxmlformats.org/officeDocument/2006/relationships" xmlns:p="http://schemas.openxmlformats.org/presentationml/2006/main">
   <p:cSld>
     <p:spTree>
@@ -4154,7 +4610,7 @@
 </p:sld>
 </file>
 
-<file path=ppt/slides/slide12.xml><?xml version="1.0" encoding="utf-8"?>
+<file path=ppt/slides/slide14.xml><?xml version="1.0" encoding="utf-8"?>
 <p:sld xmlns:a="http://schemas.openxmlformats.org/drawingml/2006/main" xmlns:r="http://schemas.openxmlformats.org/officeDocument/2006/relationships" xmlns:p="http://schemas.openxmlformats.org/presentationml/2006/main">
   <p:cSld>
     <p:spTree>
@@ -4187,6 +4643,80 @@
           <a:lstStyle/>
           <a:p>
             <a:r>
+              <a:rPr lang="zh-TW" altLang="en-US" dirty="0" smtClean="0"/>
+              <a:t>補充說明</a:t>
+            </a:r>
+            <a:endParaRPr lang="zh-TW" altLang="en-US" dirty="0"/>
+          </a:p>
+        </p:txBody>
+      </p:sp>
+      <p:sp>
+        <p:nvSpPr>
+          <p:cNvPr id="3" name="內容版面配置區 2"/>
+          <p:cNvSpPr>
+            <a:spLocks noGrp="1"/>
+          </p:cNvSpPr>
+          <p:nvPr>
+            <p:ph idx="1"/>
+          </p:nvPr>
+        </p:nvSpPr>
+        <p:spPr/>
+        <p:txBody>
+          <a:bodyPr>
+            <a:normAutofit/>
+          </a:bodyPr>
+          <a:lstStyle/>
+          <a:p>
+            <a:endParaRPr lang="zh-TW" altLang="en-US" dirty="0"/>
+          </a:p>
+        </p:txBody>
+      </p:sp>
+    </p:spTree>
+    <p:extLst>
+      <p:ext uri="{BB962C8B-B14F-4D97-AF65-F5344CB8AC3E}">
+        <p14:creationId xmlns:p14="http://schemas.microsoft.com/office/powerpoint/2010/main" val="3562978614"/>
+      </p:ext>
+    </p:extLst>
+  </p:cSld>
+  <p:clrMapOvr>
+    <a:masterClrMapping/>
+  </p:clrMapOvr>
+</p:sld>
+</file>
+
+<file path=ppt/slides/slide15.xml><?xml version="1.0" encoding="utf-8"?>
+<p:sld xmlns:a="http://schemas.openxmlformats.org/drawingml/2006/main" xmlns:r="http://schemas.openxmlformats.org/officeDocument/2006/relationships" xmlns:p="http://schemas.openxmlformats.org/presentationml/2006/main">
+  <p:cSld>
+    <p:spTree>
+      <p:nvGrpSpPr>
+        <p:cNvPr id="1" name=""/>
+        <p:cNvGrpSpPr/>
+        <p:nvPr/>
+      </p:nvGrpSpPr>
+      <p:grpSpPr>
+        <a:xfrm>
+          <a:off x="0" y="0"/>
+          <a:ext cx="0" cy="0"/>
+          <a:chOff x="0" y="0"/>
+          <a:chExt cx="0" cy="0"/>
+        </a:xfrm>
+      </p:grpSpPr>
+      <p:sp>
+        <p:nvSpPr>
+          <p:cNvPr id="2" name="標題 1"/>
+          <p:cNvSpPr>
+            <a:spLocks noGrp="1"/>
+          </p:cNvSpPr>
+          <p:nvPr>
+            <p:ph type="title"/>
+          </p:nvPr>
+        </p:nvSpPr>
+        <p:spPr/>
+        <p:txBody>
+          <a:bodyPr/>
+          <a:lstStyle/>
+          <a:p>
+            <a:r>
               <a:rPr lang="en-US" altLang="zh-TW" dirty="0" smtClean="0"/>
               <a:t>GCE</a:t>
             </a:r>
@@ -4408,7 +4938,875 @@
 </p:sld>
 </file>
 
+<file path=ppt/slides/slide16.xml><?xml version="1.0" encoding="utf-8"?>
+<p:sld xmlns:a="http://schemas.openxmlformats.org/drawingml/2006/main" xmlns:r="http://schemas.openxmlformats.org/officeDocument/2006/relationships" xmlns:p="http://schemas.openxmlformats.org/presentationml/2006/main">
+  <p:cSld>
+    <p:spTree>
+      <p:nvGrpSpPr>
+        <p:cNvPr id="1" name=""/>
+        <p:cNvGrpSpPr/>
+        <p:nvPr/>
+      </p:nvGrpSpPr>
+      <p:grpSpPr>
+        <a:xfrm>
+          <a:off x="0" y="0"/>
+          <a:ext cx="0" cy="0"/>
+          <a:chOff x="0" y="0"/>
+          <a:chExt cx="0" cy="0"/>
+        </a:xfrm>
+      </p:grpSpPr>
+      <p:sp>
+        <p:nvSpPr>
+          <p:cNvPr id="2" name="標題 1"/>
+          <p:cNvSpPr>
+            <a:spLocks noGrp="1"/>
+          </p:cNvSpPr>
+          <p:nvPr>
+            <p:ph type="title"/>
+          </p:nvPr>
+        </p:nvSpPr>
+        <p:spPr/>
+        <p:txBody>
+          <a:bodyPr/>
+          <a:lstStyle/>
+          <a:p>
+            <a:r>
+              <a:rPr lang="en-US" altLang="zh-TW" dirty="0" smtClean="0"/>
+              <a:t>GCE</a:t>
+            </a:r>
+            <a:r>
+              <a:rPr lang="zh-TW" altLang="en-US" dirty="0" smtClean="0"/>
+              <a:t>排</a:t>
+            </a:r>
+            <a:r>
+              <a:rPr lang="zh-TW" altLang="en-US" dirty="0" smtClean="0"/>
+              <a:t>程 </a:t>
+            </a:r>
+            <a:r>
+              <a:rPr lang="en-US" altLang="zh-TW" dirty="0" smtClean="0"/>
+              <a:t>– </a:t>
+            </a:r>
+            <a:r>
+              <a:rPr lang="zh-TW" altLang="en-US" dirty="0" smtClean="0"/>
+              <a:t>以虛擬環境來跑</a:t>
+            </a:r>
+            <a:endParaRPr lang="zh-TW" altLang="en-US" dirty="0"/>
+          </a:p>
+        </p:txBody>
+      </p:sp>
+      <p:sp>
+        <p:nvSpPr>
+          <p:cNvPr id="3" name="內容版面配置區 2"/>
+          <p:cNvSpPr>
+            <a:spLocks noGrp="1"/>
+          </p:cNvSpPr>
+          <p:nvPr>
+            <p:ph idx="1"/>
+          </p:nvPr>
+        </p:nvSpPr>
+        <p:spPr/>
+        <p:txBody>
+          <a:bodyPr/>
+          <a:lstStyle/>
+          <a:p>
+            <a:r>
+              <a:rPr lang="en-US" altLang="zh-TW" dirty="0" err="1"/>
+              <a:t>sudo</a:t>
+            </a:r>
+            <a:r>
+              <a:rPr lang="en-US" altLang="zh-TW" dirty="0"/>
+              <a:t> apt-get update</a:t>
+            </a:r>
+            <a:endParaRPr lang="en-US" altLang="zh-TW" dirty="0" smtClean="0"/>
+          </a:p>
+          <a:p>
+            <a:r>
+              <a:rPr lang="en-US" altLang="zh-TW" dirty="0" err="1"/>
+              <a:t>sudo</a:t>
+            </a:r>
+            <a:r>
+              <a:rPr lang="en-US" altLang="zh-TW" dirty="0"/>
+              <a:t> apt install </a:t>
+            </a:r>
+            <a:r>
+              <a:rPr lang="en-US" altLang="zh-TW" dirty="0" smtClean="0"/>
+              <a:t>python3-pip</a:t>
+            </a:r>
+          </a:p>
+          <a:p>
+            <a:r>
+              <a:rPr lang="en-US" altLang="zh-TW" dirty="0" err="1"/>
+              <a:t>sudo</a:t>
+            </a:r>
+            <a:r>
+              <a:rPr lang="en-US" altLang="zh-TW" dirty="0"/>
+              <a:t> pip3 install </a:t>
+            </a:r>
+            <a:r>
+              <a:rPr lang="en-US" altLang="zh-TW" dirty="0" err="1" smtClean="0"/>
+              <a:t>virtualenv</a:t>
+            </a:r>
+            <a:endParaRPr lang="en-US" altLang="zh-TW" dirty="0" smtClean="0"/>
+          </a:p>
+          <a:p>
+            <a:r>
+              <a:rPr lang="en-US" altLang="zh-TW" dirty="0" err="1"/>
+              <a:t>sudo</a:t>
+            </a:r>
+            <a:r>
+              <a:rPr lang="en-US" altLang="zh-TW" dirty="0"/>
+              <a:t> apt-get install python3-venv</a:t>
+            </a:r>
+            <a:endParaRPr lang="en-US" altLang="zh-TW" dirty="0" smtClean="0"/>
+          </a:p>
+          <a:p>
+            <a:r>
+              <a:rPr lang="en-US" altLang="zh-TW" dirty="0"/>
+              <a:t>python3 -m </a:t>
+            </a:r>
+            <a:r>
+              <a:rPr lang="en-US" altLang="zh-TW" dirty="0" err="1"/>
+              <a:t>venv</a:t>
+            </a:r>
+            <a:r>
+              <a:rPr lang="en-US" altLang="zh-TW" dirty="0"/>
+              <a:t> </a:t>
+            </a:r>
+            <a:r>
+              <a:rPr lang="en-US" altLang="zh-TW" dirty="0" err="1" smtClean="0"/>
+              <a:t>vnev</a:t>
+            </a:r>
+            <a:endParaRPr lang="zh-TW" altLang="en-US" dirty="0"/>
+          </a:p>
+        </p:txBody>
+      </p:sp>
+      <p:pic>
+        <p:nvPicPr>
+          <p:cNvPr id="4098" name="Picture 2"/>
+          <p:cNvPicPr>
+            <a:picLocks noChangeAspect="1" noChangeArrowheads="1"/>
+          </p:cNvPicPr>
+          <p:nvPr/>
+        </p:nvPicPr>
+        <p:blipFill>
+          <a:blip r:embed="rId2">
+            <a:extLst>
+              <a:ext uri="{28A0092B-C50C-407E-A947-70E740481C1C}">
+                <a14:useLocalDpi xmlns:a14="http://schemas.microsoft.com/office/drawing/2010/main" val="0"/>
+              </a:ext>
+            </a:extLst>
+          </a:blip>
+          <a:srcRect/>
+          <a:stretch>
+            <a:fillRect/>
+          </a:stretch>
+        </p:blipFill>
+        <p:spPr bwMode="auto">
+          <a:xfrm>
+            <a:off x="1331640" y="3789040"/>
+            <a:ext cx="4600575" cy="1638300"/>
+          </a:xfrm>
+          <a:prstGeom prst="rect">
+            <a:avLst/>
+          </a:prstGeom>
+          <a:noFill/>
+          <a:ln>
+            <a:noFill/>
+          </a:ln>
+          <a:effectLst/>
+          <a:extLst>
+            <a:ext uri="{909E8E84-426E-40DD-AFC4-6F175D3DCCD1}">
+              <a14:hiddenFill xmlns:a14="http://schemas.microsoft.com/office/drawing/2010/main">
+                <a:solidFill>
+                  <a:schemeClr val="accent1"/>
+                </a:solidFill>
+              </a14:hiddenFill>
+            </a:ext>
+            <a:ext uri="{91240B29-F687-4F45-9708-019B960494DF}">
+              <a14:hiddenLine xmlns:a14="http://schemas.microsoft.com/office/drawing/2010/main" w="9525">
+                <a:solidFill>
+                  <a:schemeClr val="tx1"/>
+                </a:solidFill>
+                <a:miter lim="800000"/>
+                <a:headEnd/>
+                <a:tailEnd/>
+              </a14:hiddenLine>
+            </a:ext>
+            <a:ext uri="{AF507438-7753-43E0-B8FC-AC1667EBCBE1}">
+              <a14:hiddenEffects xmlns:a14="http://schemas.microsoft.com/office/drawing/2010/main">
+                <a:effectLst>
+                  <a:outerShdw dist="35921" dir="2700000" algn="ctr" rotWithShape="0">
+                    <a:schemeClr val="bg2"/>
+                  </a:outerShdw>
+                </a:effectLst>
+              </a14:hiddenEffects>
+            </a:ext>
+          </a:extLst>
+        </p:spPr>
+      </p:pic>
+    </p:spTree>
+    <p:extLst>
+      <p:ext uri="{BB962C8B-B14F-4D97-AF65-F5344CB8AC3E}">
+        <p14:creationId xmlns:p14="http://schemas.microsoft.com/office/powerpoint/2010/main" val="1825987609"/>
+      </p:ext>
+    </p:extLst>
+  </p:cSld>
+  <p:clrMapOvr>
+    <a:masterClrMapping/>
+  </p:clrMapOvr>
+  <p:timing>
+    <p:tnLst>
+      <p:par>
+        <p:cTn id="1" dur="indefinite" restart="never" nodeType="tmRoot"/>
+      </p:par>
+    </p:tnLst>
+  </p:timing>
+</p:sld>
+</file>
+
+<file path=ppt/slides/slide17.xml><?xml version="1.0" encoding="utf-8"?>
+<p:sld xmlns:a="http://schemas.openxmlformats.org/drawingml/2006/main" xmlns:r="http://schemas.openxmlformats.org/officeDocument/2006/relationships" xmlns:p="http://schemas.openxmlformats.org/presentationml/2006/main">
+  <p:cSld>
+    <p:spTree>
+      <p:nvGrpSpPr>
+        <p:cNvPr id="1" name=""/>
+        <p:cNvGrpSpPr/>
+        <p:nvPr/>
+      </p:nvGrpSpPr>
+      <p:grpSpPr>
+        <a:xfrm>
+          <a:off x="0" y="0"/>
+          <a:ext cx="0" cy="0"/>
+          <a:chOff x="0" y="0"/>
+          <a:chExt cx="0" cy="0"/>
+        </a:xfrm>
+      </p:grpSpPr>
+      <p:sp>
+        <p:nvSpPr>
+          <p:cNvPr id="2" name="標題 1"/>
+          <p:cNvSpPr>
+            <a:spLocks noGrp="1"/>
+          </p:cNvSpPr>
+          <p:nvPr>
+            <p:ph type="title"/>
+          </p:nvPr>
+        </p:nvSpPr>
+        <p:spPr/>
+        <p:txBody>
+          <a:bodyPr/>
+          <a:lstStyle/>
+          <a:p>
+            <a:r>
+              <a:rPr lang="en-US" altLang="zh-TW" dirty="0"/>
+              <a:t>GCE</a:t>
+            </a:r>
+            <a:r>
+              <a:rPr lang="zh-TW" altLang="en-US" dirty="0"/>
+              <a:t>排程 </a:t>
+            </a:r>
+            <a:r>
+              <a:rPr lang="en-US" altLang="zh-TW" dirty="0"/>
+              <a:t>– </a:t>
+            </a:r>
+            <a:r>
+              <a:rPr lang="zh-TW" altLang="en-US" dirty="0"/>
+              <a:t>以虛擬環境來跑</a:t>
+            </a:r>
+            <a:endParaRPr lang="zh-TW" altLang="en-US" dirty="0"/>
+          </a:p>
+        </p:txBody>
+      </p:sp>
+      <p:sp>
+        <p:nvSpPr>
+          <p:cNvPr id="3" name="內容版面配置區 2"/>
+          <p:cNvSpPr>
+            <a:spLocks noGrp="1"/>
+          </p:cNvSpPr>
+          <p:nvPr>
+            <p:ph idx="1"/>
+          </p:nvPr>
+        </p:nvSpPr>
+        <p:spPr/>
+        <p:txBody>
+          <a:bodyPr/>
+          <a:lstStyle/>
+          <a:p>
+            <a:r>
+              <a:rPr lang="en-US" altLang="zh-TW" dirty="0" err="1"/>
+              <a:t>mkdir</a:t>
+            </a:r>
+            <a:r>
+              <a:rPr lang="en-US" altLang="zh-TW" dirty="0"/>
+              <a:t> </a:t>
+            </a:r>
+            <a:r>
+              <a:rPr lang="en-US" altLang="zh-TW" dirty="0" err="1" smtClean="0"/>
+              <a:t>line_env</a:t>
+            </a:r>
+            <a:endParaRPr lang="en-US" altLang="zh-TW" dirty="0" smtClean="0"/>
+          </a:p>
+          <a:p>
+            <a:r>
+              <a:rPr lang="en-US" altLang="zh-TW" dirty="0"/>
+              <a:t>cd </a:t>
+            </a:r>
+            <a:r>
+              <a:rPr lang="en-US" altLang="zh-TW" dirty="0" err="1"/>
+              <a:t>line_env</a:t>
+            </a:r>
+            <a:r>
+              <a:rPr lang="en-US" altLang="zh-TW" dirty="0" smtClean="0"/>
+              <a:t>/</a:t>
+            </a:r>
+          </a:p>
+          <a:p>
+            <a:r>
+              <a:rPr lang="en-US" altLang="zh-TW" dirty="0"/>
+              <a:t>python3 -m </a:t>
+            </a:r>
+            <a:r>
+              <a:rPr lang="en-US" altLang="zh-TW" dirty="0" err="1"/>
+              <a:t>venv</a:t>
+            </a:r>
+            <a:r>
+              <a:rPr lang="en-US" altLang="zh-TW" dirty="0"/>
+              <a:t> </a:t>
+            </a:r>
+            <a:r>
+              <a:rPr lang="en-US" altLang="zh-TW" dirty="0" err="1" smtClean="0"/>
+              <a:t>venv</a:t>
+            </a:r>
+            <a:endParaRPr lang="en-US" altLang="zh-TW" dirty="0" smtClean="0"/>
+          </a:p>
+          <a:p>
+            <a:r>
+              <a:rPr lang="en-US" altLang="zh-TW" dirty="0"/>
+              <a:t>source </a:t>
+            </a:r>
+            <a:r>
+              <a:rPr lang="en-US" altLang="zh-TW" dirty="0" err="1" smtClean="0"/>
+              <a:t>venv</a:t>
+            </a:r>
+            <a:r>
+              <a:rPr lang="en-US" altLang="zh-TW" dirty="0" smtClean="0"/>
+              <a:t>/bin/activate</a:t>
+            </a:r>
+          </a:p>
+          <a:p>
+            <a:r>
+              <a:rPr lang="en-US" altLang="zh-TW" dirty="0"/>
+              <a:t>pip install requests</a:t>
+            </a:r>
+            <a:endParaRPr lang="en-US" altLang="zh-TW" dirty="0" smtClean="0"/>
+          </a:p>
+          <a:p>
+            <a:endParaRPr lang="zh-TW" altLang="en-US" dirty="0"/>
+          </a:p>
+        </p:txBody>
+      </p:sp>
+      <p:pic>
+        <p:nvPicPr>
+          <p:cNvPr id="4098" name="Picture 2"/>
+          <p:cNvPicPr>
+            <a:picLocks noChangeAspect="1" noChangeArrowheads="1"/>
+          </p:cNvPicPr>
+          <p:nvPr/>
+        </p:nvPicPr>
+        <p:blipFill>
+          <a:blip r:embed="rId2">
+            <a:extLst>
+              <a:ext uri="{28A0092B-C50C-407E-A947-70E740481C1C}">
+                <a14:useLocalDpi xmlns:a14="http://schemas.microsoft.com/office/drawing/2010/main" val="0"/>
+              </a:ext>
+            </a:extLst>
+          </a:blip>
+          <a:srcRect/>
+          <a:stretch>
+            <a:fillRect/>
+          </a:stretch>
+        </p:blipFill>
+        <p:spPr bwMode="auto">
+          <a:xfrm>
+            <a:off x="1331640" y="3789040"/>
+            <a:ext cx="4600575" cy="1638300"/>
+          </a:xfrm>
+          <a:prstGeom prst="rect">
+            <a:avLst/>
+          </a:prstGeom>
+          <a:noFill/>
+          <a:ln>
+            <a:noFill/>
+          </a:ln>
+          <a:effectLst/>
+          <a:extLst>
+            <a:ext uri="{909E8E84-426E-40DD-AFC4-6F175D3DCCD1}">
+              <a14:hiddenFill xmlns:a14="http://schemas.microsoft.com/office/drawing/2010/main">
+                <a:solidFill>
+                  <a:schemeClr val="accent1"/>
+                </a:solidFill>
+              </a14:hiddenFill>
+            </a:ext>
+            <a:ext uri="{91240B29-F687-4F45-9708-019B960494DF}">
+              <a14:hiddenLine xmlns:a14="http://schemas.microsoft.com/office/drawing/2010/main" w="9525">
+                <a:solidFill>
+                  <a:schemeClr val="tx1"/>
+                </a:solidFill>
+                <a:miter lim="800000"/>
+                <a:headEnd/>
+                <a:tailEnd/>
+              </a14:hiddenLine>
+            </a:ext>
+            <a:ext uri="{AF507438-7753-43E0-B8FC-AC1667EBCBE1}">
+              <a14:hiddenEffects xmlns:a14="http://schemas.microsoft.com/office/drawing/2010/main">
+                <a:effectLst>
+                  <a:outerShdw dist="35921" dir="2700000" algn="ctr" rotWithShape="0">
+                    <a:schemeClr val="bg2"/>
+                  </a:outerShdw>
+                </a:effectLst>
+              </a14:hiddenEffects>
+            </a:ext>
+          </a:extLst>
+        </p:spPr>
+      </p:pic>
+    </p:spTree>
+    <p:extLst>
+      <p:ext uri="{BB962C8B-B14F-4D97-AF65-F5344CB8AC3E}">
+        <p14:creationId xmlns:p14="http://schemas.microsoft.com/office/powerpoint/2010/main" val="1975820382"/>
+      </p:ext>
+    </p:extLst>
+  </p:cSld>
+  <p:clrMapOvr>
+    <a:masterClrMapping/>
+  </p:clrMapOvr>
+  <p:timing>
+    <p:tnLst>
+      <p:par>
+        <p:cTn id="1" dur="indefinite" restart="never" nodeType="tmRoot"/>
+      </p:par>
+    </p:tnLst>
+  </p:timing>
+</p:sld>
+</file>
+
 <file path=ppt/slides/slide2.xml><?xml version="1.0" encoding="utf-8"?>
+<p:sld xmlns:a="http://schemas.openxmlformats.org/drawingml/2006/main" xmlns:r="http://schemas.openxmlformats.org/officeDocument/2006/relationships" xmlns:p="http://schemas.openxmlformats.org/presentationml/2006/main">
+  <p:cSld>
+    <p:spTree>
+      <p:nvGrpSpPr>
+        <p:cNvPr id="1" name=""/>
+        <p:cNvGrpSpPr/>
+        <p:nvPr/>
+      </p:nvGrpSpPr>
+      <p:grpSpPr>
+        <a:xfrm>
+          <a:off x="0" y="0"/>
+          <a:ext cx="0" cy="0"/>
+          <a:chOff x="0" y="0"/>
+          <a:chExt cx="0" cy="0"/>
+        </a:xfrm>
+      </p:grpSpPr>
+      <p:sp>
+        <p:nvSpPr>
+          <p:cNvPr id="2" name="標題 1"/>
+          <p:cNvSpPr>
+            <a:spLocks noGrp="1"/>
+          </p:cNvSpPr>
+          <p:nvPr>
+            <p:ph type="title"/>
+          </p:nvPr>
+        </p:nvSpPr>
+        <p:spPr/>
+        <p:txBody>
+          <a:bodyPr/>
+          <a:lstStyle/>
+          <a:p>
+            <a:r>
+              <a:rPr lang="zh-TW" altLang="en-US" dirty="0" smtClean="0"/>
+              <a:t>新增一台</a:t>
+            </a:r>
+            <a:r>
+              <a:rPr lang="en-US" altLang="zh-TW" dirty="0" smtClean="0"/>
+              <a:t>GCE</a:t>
+            </a:r>
+            <a:r>
+              <a:rPr lang="zh-TW" altLang="en-US" dirty="0" smtClean="0"/>
+              <a:t>的</a:t>
+            </a:r>
+            <a:r>
+              <a:rPr lang="en-US" altLang="zh-TW" dirty="0" smtClean="0"/>
+              <a:t>f1-micro</a:t>
+            </a:r>
+            <a:r>
+              <a:rPr lang="zh-TW" altLang="en-US" dirty="0" smtClean="0"/>
+              <a:t>機器</a:t>
+            </a:r>
+            <a:endParaRPr lang="zh-TW" altLang="en-US" dirty="0"/>
+          </a:p>
+        </p:txBody>
+      </p:sp>
+      <p:sp>
+        <p:nvSpPr>
+          <p:cNvPr id="3" name="內容版面配置區 2"/>
+          <p:cNvSpPr>
+            <a:spLocks noGrp="1"/>
+          </p:cNvSpPr>
+          <p:nvPr>
+            <p:ph idx="1"/>
+          </p:nvPr>
+        </p:nvSpPr>
+        <p:spPr/>
+        <p:txBody>
+          <a:bodyPr/>
+          <a:lstStyle/>
+          <a:p>
+            <a:endParaRPr lang="zh-TW" altLang="en-US" dirty="0"/>
+          </a:p>
+        </p:txBody>
+      </p:sp>
+      <p:pic>
+        <p:nvPicPr>
+          <p:cNvPr id="1026" name="Picture 2"/>
+          <p:cNvPicPr>
+            <a:picLocks noChangeAspect="1" noChangeArrowheads="1"/>
+          </p:cNvPicPr>
+          <p:nvPr/>
+        </p:nvPicPr>
+        <p:blipFill>
+          <a:blip r:embed="rId2">
+            <a:extLst>
+              <a:ext uri="{28A0092B-C50C-407E-A947-70E740481C1C}">
+                <a14:useLocalDpi xmlns:a14="http://schemas.microsoft.com/office/drawing/2010/main" val="0"/>
+              </a:ext>
+            </a:extLst>
+          </a:blip>
+          <a:srcRect/>
+          <a:stretch>
+            <a:fillRect/>
+          </a:stretch>
+        </p:blipFill>
+        <p:spPr bwMode="auto">
+          <a:xfrm>
+            <a:off x="2123728" y="1556792"/>
+            <a:ext cx="4514850" cy="5067300"/>
+          </a:xfrm>
+          <a:prstGeom prst="rect">
+            <a:avLst/>
+          </a:prstGeom>
+          <a:noFill/>
+          <a:ln>
+            <a:noFill/>
+          </a:ln>
+          <a:effectLst/>
+          <a:extLst>
+            <a:ext uri="{909E8E84-426E-40DD-AFC4-6F175D3DCCD1}">
+              <a14:hiddenFill xmlns:a14="http://schemas.microsoft.com/office/drawing/2010/main">
+                <a:solidFill>
+                  <a:schemeClr val="accent1"/>
+                </a:solidFill>
+              </a14:hiddenFill>
+            </a:ext>
+            <a:ext uri="{91240B29-F687-4F45-9708-019B960494DF}">
+              <a14:hiddenLine xmlns:a14="http://schemas.microsoft.com/office/drawing/2010/main" w="9525">
+                <a:solidFill>
+                  <a:schemeClr val="tx1"/>
+                </a:solidFill>
+                <a:miter lim="800000"/>
+                <a:headEnd/>
+                <a:tailEnd/>
+              </a14:hiddenLine>
+            </a:ext>
+            <a:ext uri="{AF507438-7753-43E0-B8FC-AC1667EBCBE1}">
+              <a14:hiddenEffects xmlns:a14="http://schemas.microsoft.com/office/drawing/2010/main">
+                <a:effectLst>
+                  <a:outerShdw dist="35921" dir="2700000" algn="ctr" rotWithShape="0">
+                    <a:schemeClr val="bg2"/>
+                  </a:outerShdw>
+                </a:effectLst>
+              </a14:hiddenEffects>
+            </a:ext>
+          </a:extLst>
+        </p:spPr>
+      </p:pic>
+    </p:spTree>
+    <p:extLst>
+      <p:ext uri="{BB962C8B-B14F-4D97-AF65-F5344CB8AC3E}">
+        <p14:creationId xmlns:p14="http://schemas.microsoft.com/office/powerpoint/2010/main" val="266785285"/>
+      </p:ext>
+    </p:extLst>
+  </p:cSld>
+  <p:clrMapOvr>
+    <a:masterClrMapping/>
+  </p:clrMapOvr>
+  <p:timing>
+    <p:tnLst>
+      <p:par>
+        <p:cTn id="1" dur="indefinite" restart="never" nodeType="tmRoot"/>
+      </p:par>
+    </p:tnLst>
+  </p:timing>
+</p:sld>
+</file>
+
+<file path=ppt/slides/slide3.xml><?xml version="1.0" encoding="utf-8"?>
+<p:sld xmlns:a="http://schemas.openxmlformats.org/drawingml/2006/main" xmlns:r="http://schemas.openxmlformats.org/officeDocument/2006/relationships" xmlns:p="http://schemas.openxmlformats.org/presentationml/2006/main">
+  <p:cSld>
+    <p:spTree>
+      <p:nvGrpSpPr>
+        <p:cNvPr id="1" name=""/>
+        <p:cNvGrpSpPr/>
+        <p:nvPr/>
+      </p:nvGrpSpPr>
+      <p:grpSpPr>
+        <a:xfrm>
+          <a:off x="0" y="0"/>
+          <a:ext cx="0" cy="0"/>
+          <a:chOff x="0" y="0"/>
+          <a:chExt cx="0" cy="0"/>
+        </a:xfrm>
+      </p:grpSpPr>
+      <p:sp>
+        <p:nvSpPr>
+          <p:cNvPr id="2" name="標題 1"/>
+          <p:cNvSpPr>
+            <a:spLocks noGrp="1"/>
+          </p:cNvSpPr>
+          <p:nvPr>
+            <p:ph type="title"/>
+          </p:nvPr>
+        </p:nvSpPr>
+        <p:spPr/>
+        <p:txBody>
+          <a:bodyPr/>
+          <a:lstStyle/>
+          <a:p>
+            <a:r>
+              <a:rPr lang="zh-TW" altLang="en-US" dirty="0" smtClean="0"/>
+              <a:t>新增一台</a:t>
+            </a:r>
+            <a:r>
+              <a:rPr lang="en-US" altLang="zh-TW" dirty="0" smtClean="0"/>
+              <a:t>GCE</a:t>
+            </a:r>
+            <a:r>
+              <a:rPr lang="zh-TW" altLang="en-US" dirty="0" smtClean="0"/>
+              <a:t>的</a:t>
+            </a:r>
+            <a:r>
+              <a:rPr lang="en-US" altLang="zh-TW" dirty="0" smtClean="0"/>
+              <a:t>f1-micro</a:t>
+            </a:r>
+            <a:r>
+              <a:rPr lang="zh-TW" altLang="en-US" dirty="0" smtClean="0"/>
+              <a:t>機器</a:t>
+            </a:r>
+            <a:endParaRPr lang="zh-TW" altLang="en-US" dirty="0"/>
+          </a:p>
+        </p:txBody>
+      </p:sp>
+      <p:sp>
+        <p:nvSpPr>
+          <p:cNvPr id="3" name="內容版面配置區 2"/>
+          <p:cNvSpPr>
+            <a:spLocks noGrp="1"/>
+          </p:cNvSpPr>
+          <p:nvPr>
+            <p:ph idx="1"/>
+          </p:nvPr>
+        </p:nvSpPr>
+        <p:spPr/>
+        <p:txBody>
+          <a:bodyPr/>
+          <a:lstStyle/>
+          <a:p>
+            <a:endParaRPr lang="zh-TW" altLang="en-US" dirty="0"/>
+          </a:p>
+        </p:txBody>
+      </p:sp>
+      <p:pic>
+        <p:nvPicPr>
+          <p:cNvPr id="2050" name="Picture 2"/>
+          <p:cNvPicPr>
+            <a:picLocks noChangeAspect="1" noChangeArrowheads="1"/>
+          </p:cNvPicPr>
+          <p:nvPr/>
+        </p:nvPicPr>
+        <p:blipFill>
+          <a:blip r:embed="rId2">
+            <a:extLst>
+              <a:ext uri="{28A0092B-C50C-407E-A947-70E740481C1C}">
+                <a14:useLocalDpi xmlns:a14="http://schemas.microsoft.com/office/drawing/2010/main" val="0"/>
+              </a:ext>
+            </a:extLst>
+          </a:blip>
+          <a:srcRect/>
+          <a:stretch>
+            <a:fillRect/>
+          </a:stretch>
+        </p:blipFill>
+        <p:spPr bwMode="auto">
+          <a:xfrm>
+            <a:off x="0" y="1876425"/>
+            <a:ext cx="4476750" cy="4981575"/>
+          </a:xfrm>
+          <a:prstGeom prst="rect">
+            <a:avLst/>
+          </a:prstGeom>
+          <a:noFill/>
+          <a:ln>
+            <a:noFill/>
+          </a:ln>
+          <a:effectLst/>
+          <a:extLst>
+            <a:ext uri="{909E8E84-426E-40DD-AFC4-6F175D3DCCD1}">
+              <a14:hiddenFill xmlns:a14="http://schemas.microsoft.com/office/drawing/2010/main">
+                <a:solidFill>
+                  <a:schemeClr val="accent1"/>
+                </a:solidFill>
+              </a14:hiddenFill>
+            </a:ext>
+            <a:ext uri="{91240B29-F687-4F45-9708-019B960494DF}">
+              <a14:hiddenLine xmlns:a14="http://schemas.microsoft.com/office/drawing/2010/main" w="9525">
+                <a:solidFill>
+                  <a:schemeClr val="tx1"/>
+                </a:solidFill>
+                <a:miter lim="800000"/>
+                <a:headEnd/>
+                <a:tailEnd/>
+              </a14:hiddenLine>
+            </a:ext>
+            <a:ext uri="{AF507438-7753-43E0-B8FC-AC1667EBCBE1}">
+              <a14:hiddenEffects xmlns:a14="http://schemas.microsoft.com/office/drawing/2010/main">
+                <a:effectLst>
+                  <a:outerShdw dist="35921" dir="2700000" algn="ctr" rotWithShape="0">
+                    <a:schemeClr val="bg2"/>
+                  </a:outerShdw>
+                </a:effectLst>
+              </a14:hiddenEffects>
+            </a:ext>
+          </a:extLst>
+        </p:spPr>
+      </p:pic>
+      <p:pic>
+        <p:nvPicPr>
+          <p:cNvPr id="2051" name="Picture 3"/>
+          <p:cNvPicPr>
+            <a:picLocks noChangeAspect="1" noChangeArrowheads="1"/>
+          </p:cNvPicPr>
+          <p:nvPr/>
+        </p:nvPicPr>
+        <p:blipFill>
+          <a:blip r:embed="rId3">
+            <a:extLst>
+              <a:ext uri="{28A0092B-C50C-407E-A947-70E740481C1C}">
+                <a14:useLocalDpi xmlns:a14="http://schemas.microsoft.com/office/drawing/2010/main" val="0"/>
+              </a:ext>
+            </a:extLst>
+          </a:blip>
+          <a:srcRect/>
+          <a:stretch>
+            <a:fillRect/>
+          </a:stretch>
+        </p:blipFill>
+        <p:spPr bwMode="auto">
+          <a:xfrm>
+            <a:off x="4716016" y="1302235"/>
+            <a:ext cx="4444510" cy="5542462"/>
+          </a:xfrm>
+          <a:prstGeom prst="rect">
+            <a:avLst/>
+          </a:prstGeom>
+          <a:noFill/>
+          <a:ln>
+            <a:noFill/>
+          </a:ln>
+          <a:effectLst/>
+          <a:extLst>
+            <a:ext uri="{909E8E84-426E-40DD-AFC4-6F175D3DCCD1}">
+              <a14:hiddenFill xmlns:a14="http://schemas.microsoft.com/office/drawing/2010/main">
+                <a:solidFill>
+                  <a:schemeClr val="accent1"/>
+                </a:solidFill>
+              </a14:hiddenFill>
+            </a:ext>
+            <a:ext uri="{91240B29-F687-4F45-9708-019B960494DF}">
+              <a14:hiddenLine xmlns:a14="http://schemas.microsoft.com/office/drawing/2010/main" w="9525">
+                <a:solidFill>
+                  <a:schemeClr val="tx1"/>
+                </a:solidFill>
+                <a:miter lim="800000"/>
+                <a:headEnd/>
+                <a:tailEnd/>
+              </a14:hiddenLine>
+            </a:ext>
+            <a:ext uri="{AF507438-7753-43E0-B8FC-AC1667EBCBE1}">
+              <a14:hiddenEffects xmlns:a14="http://schemas.microsoft.com/office/drawing/2010/main">
+                <a:effectLst>
+                  <a:outerShdw dist="35921" dir="2700000" algn="ctr" rotWithShape="0">
+                    <a:schemeClr val="bg2"/>
+                  </a:outerShdw>
+                </a:effectLst>
+              </a14:hiddenEffects>
+            </a:ext>
+          </a:extLst>
+        </p:spPr>
+      </p:pic>
+      <p:cxnSp>
+        <p:nvCxnSpPr>
+          <p:cNvPr id="5" name="直線單箭頭接點 4"/>
+          <p:cNvCxnSpPr/>
+          <p:nvPr/>
+        </p:nvCxnSpPr>
+        <p:spPr>
+          <a:xfrm flipV="1">
+            <a:off x="4067944" y="2276872"/>
+            <a:ext cx="648072" cy="432048"/>
+          </a:xfrm>
+          <a:prstGeom prst="straightConnector1">
+            <a:avLst/>
+          </a:prstGeom>
+          <a:ln w="76200">
+            <a:solidFill>
+              <a:srgbClr val="92D050"/>
+            </a:solidFill>
+            <a:tailEnd type="arrow"/>
+          </a:ln>
+        </p:spPr>
+        <p:style>
+          <a:lnRef idx="3">
+            <a:schemeClr val="accent2"/>
+          </a:lnRef>
+          <a:fillRef idx="0">
+            <a:schemeClr val="accent2"/>
+          </a:fillRef>
+          <a:effectRef idx="2">
+            <a:schemeClr val="accent2"/>
+          </a:effectRef>
+          <a:fontRef idx="minor">
+            <a:schemeClr val="tx1"/>
+          </a:fontRef>
+        </p:style>
+      </p:cxnSp>
+    </p:spTree>
+    <p:extLst>
+      <p:ext uri="{BB962C8B-B14F-4D97-AF65-F5344CB8AC3E}">
+        <p14:creationId xmlns:p14="http://schemas.microsoft.com/office/powerpoint/2010/main" val="2310691353"/>
+      </p:ext>
+    </p:extLst>
+  </p:cSld>
+  <p:clrMapOvr>
+    <a:masterClrMapping/>
+  </p:clrMapOvr>
+  <p:timing>
+    <p:tnLst>
+      <p:par>
+        <p:cTn id="1" dur="indefinite" restart="never" nodeType="tmRoot"/>
+      </p:par>
+    </p:tnLst>
+  </p:timing>
+</p:sld>
+</file>
+
+<file path=ppt/slides/slide4.xml><?xml version="1.0" encoding="utf-8"?>
 <p:sld xmlns:a="http://schemas.openxmlformats.org/drawingml/2006/main" xmlns:r="http://schemas.openxmlformats.org/officeDocument/2006/relationships" xmlns:p="http://schemas.openxmlformats.org/presentationml/2006/main">
   <p:cSld>
     <p:spTree>
@@ -4545,10 +5943,17 @@
   <p:clrMapOvr>
     <a:masterClrMapping/>
   </p:clrMapOvr>
+  <p:timing>
+    <p:tnLst>
+      <p:par>
+        <p:cTn id="1" dur="indefinite" restart="never" nodeType="tmRoot"/>
+      </p:par>
+    </p:tnLst>
+  </p:timing>
 </p:sld>
 </file>
 
-<file path=ppt/slides/slide3.xml><?xml version="1.0" encoding="utf-8"?>
+<file path=ppt/slides/slide5.xml><?xml version="1.0" encoding="utf-8"?>
 <p:sld xmlns:a="http://schemas.openxmlformats.org/drawingml/2006/main" xmlns:r="http://schemas.openxmlformats.org/officeDocument/2006/relationships" xmlns:p="http://schemas.openxmlformats.org/presentationml/2006/main">
   <p:cSld>
     <p:spTree>
@@ -4685,10 +6090,17 @@
   <p:clrMapOvr>
     <a:masterClrMapping/>
   </p:clrMapOvr>
+  <p:timing>
+    <p:tnLst>
+      <p:par>
+        <p:cTn id="1" dur="indefinite" restart="never" nodeType="tmRoot"/>
+      </p:par>
+    </p:tnLst>
+  </p:timing>
 </p:sld>
 </file>
 
-<file path=ppt/slides/slide4.xml><?xml version="1.0" encoding="utf-8"?>
+<file path=ppt/slides/slide6.xml><?xml version="1.0" encoding="utf-8"?>
 <p:sld xmlns:a="http://schemas.openxmlformats.org/drawingml/2006/main" xmlns:r="http://schemas.openxmlformats.org/officeDocument/2006/relationships" xmlns:p="http://schemas.openxmlformats.org/presentationml/2006/main">
   <p:cSld>
     <p:spTree>
@@ -4721,12 +6133,16 @@
           <a:lstStyle/>
           <a:p>
             <a:r>
-              <a:rPr lang="en-US" altLang="zh-TW" dirty="0" smtClean="0"/>
+              <a:rPr lang="en-US" altLang="zh-TW" dirty="0"/>
               <a:t>GCE</a:t>
             </a:r>
             <a:r>
+              <a:rPr lang="zh-TW" altLang="en-US" dirty="0"/>
+              <a:t>排</a:t>
+            </a:r>
+            <a:r>
               <a:rPr lang="zh-TW" altLang="en-US" dirty="0" smtClean="0"/>
-              <a:t>排程</a:t>
+              <a:t>程</a:t>
             </a:r>
             <a:endParaRPr lang="zh-TW" altLang="en-US" dirty="0"/>
           </a:p>
@@ -4749,69 +6165,55 @@
           <a:p>
             <a:r>
               <a:rPr lang="en-US" altLang="zh-TW" dirty="0" err="1"/>
-              <a:t>mkdir</a:t>
+              <a:t>sudo</a:t>
             </a:r>
             <a:r>
               <a:rPr lang="en-US" altLang="zh-TW" dirty="0"/>
-              <a:t> </a:t>
-            </a:r>
-            <a:r>
-              <a:rPr lang="en-US" altLang="zh-TW" dirty="0" err="1" smtClean="0"/>
-              <a:t>line_env</a:t>
+              <a:t> apt-get update</a:t>
+            </a:r>
+          </a:p>
+          <a:p>
+            <a:r>
+              <a:rPr lang="en-US" altLang="zh-TW" dirty="0" err="1"/>
+              <a:t>sudo</a:t>
+            </a:r>
+            <a:r>
+              <a:rPr lang="en-US" altLang="zh-TW" dirty="0"/>
+              <a:t> apt install python3-pip</a:t>
+            </a:r>
+          </a:p>
+          <a:p>
+            <a:pPr lvl="1"/>
+            <a:r>
+              <a:rPr lang="zh-TW" altLang="en-US" dirty="0" smtClean="0"/>
+              <a:t>按一下 </a:t>
+            </a:r>
+            <a:r>
+              <a:rPr lang="en-US" altLang="zh-TW" dirty="0" smtClean="0"/>
+              <a:t>‘y’ </a:t>
+            </a:r>
+            <a:r>
+              <a:rPr lang="zh-TW" altLang="en-US" dirty="0" smtClean="0"/>
+              <a:t>，</a:t>
+            </a:r>
+            <a:r>
+              <a:rPr lang="en-US" altLang="zh-TW" dirty="0" smtClean="0"/>
+              <a:t>enter</a:t>
+            </a:r>
+            <a:r>
+              <a:rPr lang="zh-TW" altLang="en-US" dirty="0" smtClean="0"/>
+              <a:t>後繼續安裝</a:t>
             </a:r>
             <a:endParaRPr lang="en-US" altLang="zh-TW" dirty="0" smtClean="0"/>
           </a:p>
           <a:p>
             <a:r>
+              <a:rPr lang="en-US" altLang="zh-TW" dirty="0" smtClean="0"/>
+              <a:t>pip3 </a:t>
+            </a:r>
+            <a:r>
               <a:rPr lang="en-US" altLang="zh-TW" dirty="0"/>
-              <a:t>cd </a:t>
-            </a:r>
-            <a:r>
-              <a:rPr lang="en-US" altLang="zh-TW" dirty="0" err="1"/>
-              <a:t>line_env</a:t>
-            </a:r>
-            <a:r>
-              <a:rPr lang="en-US" altLang="zh-TW" dirty="0" smtClean="0"/>
-              <a:t>/</a:t>
-            </a:r>
-          </a:p>
-          <a:p>
-            <a:r>
-              <a:rPr lang="en-US" altLang="zh-TW" dirty="0"/>
-              <a:t>python3 -m </a:t>
-            </a:r>
-            <a:r>
-              <a:rPr lang="en-US" altLang="zh-TW" dirty="0" err="1"/>
-              <a:t>venv</a:t>
-            </a:r>
-            <a:r>
-              <a:rPr lang="en-US" altLang="zh-TW" dirty="0"/>
-              <a:t> </a:t>
-            </a:r>
-            <a:r>
-              <a:rPr lang="en-US" altLang="zh-TW" dirty="0" err="1" smtClean="0"/>
-              <a:t>venv</a:t>
-            </a:r>
-            <a:endParaRPr lang="en-US" altLang="zh-TW" dirty="0" smtClean="0"/>
-          </a:p>
-          <a:p>
-            <a:r>
-              <a:rPr lang="en-US" altLang="zh-TW" dirty="0"/>
-              <a:t>source </a:t>
-            </a:r>
-            <a:r>
-              <a:rPr lang="en-US" altLang="zh-TW" dirty="0" err="1" smtClean="0"/>
-              <a:t>venv</a:t>
-            </a:r>
-            <a:r>
-              <a:rPr lang="en-US" altLang="zh-TW" dirty="0" smtClean="0"/>
-              <a:t>/bin/activate</a:t>
-            </a:r>
-          </a:p>
-          <a:p>
-            <a:r>
-              <a:rPr lang="en-US" altLang="zh-TW" dirty="0"/>
-              <a:t>pip install requests</a:t>
+              <a:t>install requests</a:t>
             </a:r>
             <a:endParaRPr lang="en-US" altLang="zh-TW" dirty="0" smtClean="0"/>
           </a:p>
@@ -4887,17 +6289,24 @@
     </p:spTree>
     <p:extLst>
       <p:ext uri="{BB962C8B-B14F-4D97-AF65-F5344CB8AC3E}">
-        <p14:creationId xmlns:p14="http://schemas.microsoft.com/office/powerpoint/2010/main" val="1359628036"/>
+        <p14:creationId xmlns:p14="http://schemas.microsoft.com/office/powerpoint/2010/main" val="2997031019"/>
       </p:ext>
     </p:extLst>
   </p:cSld>
   <p:clrMapOvr>
     <a:masterClrMapping/>
   </p:clrMapOvr>
+  <p:timing>
+    <p:tnLst>
+      <p:par>
+        <p:cTn id="1" dur="indefinite" restart="never" nodeType="tmRoot"/>
+      </p:par>
+    </p:tnLst>
+  </p:timing>
 </p:sld>
 </file>
 
-<file path=ppt/slides/slide5.xml><?xml version="1.0" encoding="utf-8"?>
+<file path=ppt/slides/slide7.xml><?xml version="1.0" encoding="utf-8"?>
 <p:sld xmlns:a="http://schemas.openxmlformats.org/drawingml/2006/main" xmlns:r="http://schemas.openxmlformats.org/officeDocument/2006/relationships" xmlns:p="http://schemas.openxmlformats.org/presentationml/2006/main">
   <p:cSld>
     <p:spTree>
@@ -4957,22 +6366,17 @@
           <a:lstStyle/>
           <a:p>
             <a:r>
-              <a:rPr lang="en-US" altLang="zh-TW" dirty="0" err="1"/>
-              <a:t>mkdir</a:t>
-            </a:r>
-            <a:r>
-              <a:rPr lang="en-US" altLang="zh-TW" dirty="0"/>
-              <a:t> </a:t>
-            </a:r>
-            <a:r>
-              <a:rPr lang="en-US" altLang="zh-TW" dirty="0" smtClean="0"/>
-              <a:t>test1</a:t>
-            </a:r>
-          </a:p>
-          <a:p>
-            <a:endParaRPr lang="en-US" altLang="zh-TW" dirty="0" smtClean="0"/>
-          </a:p>
-          <a:p>
+              <a:rPr lang="zh-TW" altLang="en-US" dirty="0" smtClean="0"/>
+              <a:t>上傳程式前請打開，把</a:t>
+            </a:r>
+            <a:r>
+              <a:rPr lang="en-US" altLang="zh-TW" dirty="0" smtClean="0"/>
+              <a:t>key</a:t>
+            </a:r>
+            <a:r>
+              <a:rPr lang="zh-TW" altLang="en-US" dirty="0" smtClean="0"/>
+              <a:t>，和訊息內容改成你要的</a:t>
+            </a:r>
             <a:endParaRPr lang="zh-TW" altLang="en-US" dirty="0"/>
           </a:p>
         </p:txBody>
@@ -5000,7 +6404,7 @@
         </p:blipFill>
         <p:spPr bwMode="auto">
           <a:xfrm>
-            <a:off x="755576" y="2276872"/>
+            <a:off x="611560" y="2564743"/>
             <a:ext cx="7539309" cy="4258868"/>
           </a:xfrm>
           <a:prstGeom prst="rect">
@@ -5051,10 +6455,17 @@
   <p:clrMapOvr>
     <a:masterClrMapping/>
   </p:clrMapOvr>
+  <p:timing>
+    <p:tnLst>
+      <p:par>
+        <p:cTn id="1" dur="indefinite" restart="never" nodeType="tmRoot"/>
+      </p:par>
+    </p:tnLst>
+  </p:timing>
 </p:sld>
 </file>
 
-<file path=ppt/slides/slide6.xml><?xml version="1.0" encoding="utf-8"?>
+<file path=ppt/slides/slide8.xml><?xml version="1.0" encoding="utf-8"?>
 <p:sld xmlns:a="http://schemas.openxmlformats.org/drawingml/2006/main" xmlns:r="http://schemas.openxmlformats.org/officeDocument/2006/relationships" xmlns:p="http://schemas.openxmlformats.org/presentationml/2006/main">
   <p:cSld>
     <p:spTree>
@@ -5112,20 +6523,6 @@
         <p:txBody>
           <a:bodyPr/>
           <a:lstStyle/>
-          <a:p>
-            <a:r>
-              <a:rPr lang="en-US" altLang="zh-TW" dirty="0" err="1"/>
-              <a:t>mkdir</a:t>
-            </a:r>
-            <a:r>
-              <a:rPr lang="en-US" altLang="zh-TW" dirty="0"/>
-              <a:t> </a:t>
-            </a:r>
-            <a:r>
-              <a:rPr lang="en-US" altLang="zh-TW" dirty="0" smtClean="0"/>
-              <a:t>test1</a:t>
-            </a:r>
-          </a:p>
           <a:p>
             <a:endParaRPr lang="en-US" altLang="zh-TW" dirty="0" smtClean="0"/>
           </a:p>
@@ -5272,10 +6669,17 @@
   <p:clrMapOvr>
     <a:masterClrMapping/>
   </p:clrMapOvr>
+  <p:timing>
+    <p:tnLst>
+      <p:par>
+        <p:cTn id="1" dur="indefinite" restart="never" nodeType="tmRoot"/>
+      </p:par>
+    </p:tnLst>
+  </p:timing>
 </p:sld>
 </file>
 
-<file path=ppt/slides/slide7.xml><?xml version="1.0" encoding="utf-8"?>
+<file path=ppt/slides/slide9.xml><?xml version="1.0" encoding="utf-8"?>
 <p:sld xmlns:a="http://schemas.openxmlformats.org/drawingml/2006/main" xmlns:r="http://schemas.openxmlformats.org/officeDocument/2006/relationships" xmlns:p="http://schemas.openxmlformats.org/presentationml/2006/main">
   <p:cSld>
     <p:spTree>
@@ -5474,450 +6878,6 @@
     <p:extLst>
       <p:ext uri="{BB962C8B-B14F-4D97-AF65-F5344CB8AC3E}">
         <p14:creationId xmlns:p14="http://schemas.microsoft.com/office/powerpoint/2010/main" val="1599343649"/>
-      </p:ext>
-    </p:extLst>
-  </p:cSld>
-  <p:clrMapOvr>
-    <a:masterClrMapping/>
-  </p:clrMapOvr>
-</p:sld>
-</file>
-
-<file path=ppt/slides/slide8.xml><?xml version="1.0" encoding="utf-8"?>
-<p:sld xmlns:a="http://schemas.openxmlformats.org/drawingml/2006/main" xmlns:r="http://schemas.openxmlformats.org/officeDocument/2006/relationships" xmlns:p="http://schemas.openxmlformats.org/presentationml/2006/main">
-  <p:cSld>
-    <p:spTree>
-      <p:nvGrpSpPr>
-        <p:cNvPr id="1" name=""/>
-        <p:cNvGrpSpPr/>
-        <p:nvPr/>
-      </p:nvGrpSpPr>
-      <p:grpSpPr>
-        <a:xfrm>
-          <a:off x="0" y="0"/>
-          <a:ext cx="0" cy="0"/>
-          <a:chOff x="0" y="0"/>
-          <a:chExt cx="0" cy="0"/>
-        </a:xfrm>
-      </p:grpSpPr>
-      <p:sp>
-        <p:nvSpPr>
-          <p:cNvPr id="2" name="標題 1"/>
-          <p:cNvSpPr>
-            <a:spLocks noGrp="1"/>
-          </p:cNvSpPr>
-          <p:nvPr>
-            <p:ph type="title"/>
-          </p:nvPr>
-        </p:nvSpPr>
-        <p:spPr/>
-        <p:txBody>
-          <a:bodyPr/>
-          <a:lstStyle/>
-          <a:p>
-            <a:r>
-              <a:rPr lang="en-US" altLang="zh-TW" dirty="0" smtClean="0"/>
-              <a:t>GCE</a:t>
-            </a:r>
-            <a:r>
-              <a:rPr lang="zh-TW" altLang="en-US" dirty="0" smtClean="0"/>
-              <a:t>排程</a:t>
-            </a:r>
-            <a:endParaRPr lang="zh-TW" altLang="en-US" dirty="0"/>
-          </a:p>
-        </p:txBody>
-      </p:sp>
-      <p:sp>
-        <p:nvSpPr>
-          <p:cNvPr id="3" name="內容版面配置區 2"/>
-          <p:cNvSpPr>
-            <a:spLocks noGrp="1"/>
-          </p:cNvSpPr>
-          <p:nvPr>
-            <p:ph idx="1"/>
-          </p:nvPr>
-        </p:nvSpPr>
-        <p:spPr/>
-        <p:txBody>
-          <a:bodyPr/>
-          <a:lstStyle/>
-          <a:p>
-            <a:r>
-              <a:rPr lang="en-US" altLang="zh-TW" dirty="0" err="1" smtClean="0"/>
-              <a:t>crontab</a:t>
-            </a:r>
-            <a:r>
-              <a:rPr lang="en-US" altLang="zh-TW" dirty="0" smtClean="0"/>
-              <a:t> -l</a:t>
-            </a:r>
-          </a:p>
-          <a:p>
-            <a:pPr lvl="1"/>
-            <a:r>
-              <a:rPr lang="zh-TW" altLang="en-US" dirty="0" smtClean="0"/>
-              <a:t>列出已有的</a:t>
-            </a:r>
-            <a:r>
-              <a:rPr lang="en-US" altLang="zh-TW" dirty="0" err="1" smtClean="0"/>
-              <a:t>cron</a:t>
-            </a:r>
-            <a:r>
-              <a:rPr lang="zh-TW" altLang="en-US" dirty="0" smtClean="0"/>
-              <a:t>排程服務</a:t>
-            </a:r>
-            <a:endParaRPr lang="en-US" altLang="zh-TW" dirty="0" smtClean="0"/>
-          </a:p>
-          <a:p>
-            <a:r>
-              <a:rPr lang="en-US" altLang="zh-TW" dirty="0" err="1" smtClean="0"/>
-              <a:t>crontab</a:t>
-            </a:r>
-            <a:r>
-              <a:rPr lang="en-US" altLang="zh-TW" dirty="0" smtClean="0"/>
-              <a:t> -e</a:t>
-            </a:r>
-          </a:p>
-          <a:p>
-            <a:pPr lvl="1"/>
-            <a:r>
-              <a:rPr lang="zh-TW" altLang="en-US" dirty="0" smtClean="0"/>
-              <a:t>編輯排程服務檔</a:t>
-            </a:r>
-            <a:endParaRPr lang="en-US" altLang="zh-TW" dirty="0" smtClean="0"/>
-          </a:p>
-          <a:p>
-            <a:pPr lvl="1"/>
-            <a:r>
-              <a:rPr lang="zh-TW" altLang="en-US" dirty="0" smtClean="0"/>
-              <a:t>選</a:t>
-            </a:r>
-            <a:r>
-              <a:rPr lang="en-US" altLang="zh-TW" dirty="0" smtClean="0"/>
-              <a:t>1 </a:t>
-            </a:r>
-            <a:r>
-              <a:rPr lang="zh-TW" altLang="en-US" dirty="0" smtClean="0"/>
-              <a:t>使用 </a:t>
-            </a:r>
-            <a:r>
-              <a:rPr lang="en-US" altLang="zh-TW" dirty="0" err="1" smtClean="0"/>
-              <a:t>nano</a:t>
-            </a:r>
-            <a:endParaRPr lang="en-US" altLang="zh-TW" dirty="0" smtClean="0"/>
-          </a:p>
-          <a:p>
-            <a:endParaRPr lang="zh-TW" altLang="en-US" dirty="0"/>
-          </a:p>
-        </p:txBody>
-      </p:sp>
-      <p:pic>
-        <p:nvPicPr>
-          <p:cNvPr id="7170" name="Picture 2"/>
-          <p:cNvPicPr>
-            <a:picLocks noChangeAspect="1" noChangeArrowheads="1"/>
-          </p:cNvPicPr>
-          <p:nvPr/>
-        </p:nvPicPr>
-        <p:blipFill>
-          <a:blip r:embed="rId2">
-            <a:extLst>
-              <a:ext uri="{28A0092B-C50C-407E-A947-70E740481C1C}">
-                <a14:useLocalDpi xmlns:a14="http://schemas.microsoft.com/office/drawing/2010/main" val="0"/>
-              </a:ext>
-            </a:extLst>
-          </a:blip>
-          <a:srcRect/>
-          <a:stretch>
-            <a:fillRect/>
-          </a:stretch>
-        </p:blipFill>
-        <p:spPr bwMode="auto">
-          <a:xfrm>
-            <a:off x="2123728" y="4314825"/>
-            <a:ext cx="4143375" cy="1771650"/>
-          </a:xfrm>
-          <a:prstGeom prst="rect">
-            <a:avLst/>
-          </a:prstGeom>
-          <a:noFill/>
-          <a:ln>
-            <a:noFill/>
-          </a:ln>
-          <a:effectLst/>
-          <a:extLst>
-            <a:ext uri="{909E8E84-426E-40DD-AFC4-6F175D3DCCD1}">
-              <a14:hiddenFill xmlns:a14="http://schemas.microsoft.com/office/drawing/2010/main">
-                <a:solidFill>
-                  <a:schemeClr val="accent1"/>
-                </a:solidFill>
-              </a14:hiddenFill>
-            </a:ext>
-            <a:ext uri="{91240B29-F687-4F45-9708-019B960494DF}">
-              <a14:hiddenLine xmlns:a14="http://schemas.microsoft.com/office/drawing/2010/main" w="9525">
-                <a:solidFill>
-                  <a:schemeClr val="tx1"/>
-                </a:solidFill>
-                <a:miter lim="800000"/>
-                <a:headEnd/>
-                <a:tailEnd/>
-              </a14:hiddenLine>
-            </a:ext>
-            <a:ext uri="{AF507438-7753-43E0-B8FC-AC1667EBCBE1}">
-              <a14:hiddenEffects xmlns:a14="http://schemas.microsoft.com/office/drawing/2010/main">
-                <a:effectLst>
-                  <a:outerShdw dist="35921" dir="2700000" algn="ctr" rotWithShape="0">
-                    <a:schemeClr val="bg2"/>
-                  </a:outerShdw>
-                </a:effectLst>
-              </a14:hiddenEffects>
-            </a:ext>
-          </a:extLst>
-        </p:spPr>
-      </p:pic>
-    </p:spTree>
-    <p:extLst>
-      <p:ext uri="{BB962C8B-B14F-4D97-AF65-F5344CB8AC3E}">
-        <p14:creationId xmlns:p14="http://schemas.microsoft.com/office/powerpoint/2010/main" val="3086947007"/>
-      </p:ext>
-    </p:extLst>
-  </p:cSld>
-  <p:clrMapOvr>
-    <a:masterClrMapping/>
-  </p:clrMapOvr>
-</p:sld>
-</file>
-
-<file path=ppt/slides/slide9.xml><?xml version="1.0" encoding="utf-8"?>
-<p:sld xmlns:a="http://schemas.openxmlformats.org/drawingml/2006/main" xmlns:r="http://schemas.openxmlformats.org/officeDocument/2006/relationships" xmlns:p="http://schemas.openxmlformats.org/presentationml/2006/main">
-  <p:cSld>
-    <p:spTree>
-      <p:nvGrpSpPr>
-        <p:cNvPr id="1" name=""/>
-        <p:cNvGrpSpPr/>
-        <p:nvPr/>
-      </p:nvGrpSpPr>
-      <p:grpSpPr>
-        <a:xfrm>
-          <a:off x="0" y="0"/>
-          <a:ext cx="0" cy="0"/>
-          <a:chOff x="0" y="0"/>
-          <a:chExt cx="0" cy="0"/>
-        </a:xfrm>
-      </p:grpSpPr>
-      <p:sp>
-        <p:nvSpPr>
-          <p:cNvPr id="2" name="標題 1"/>
-          <p:cNvSpPr>
-            <a:spLocks noGrp="1"/>
-          </p:cNvSpPr>
-          <p:nvPr>
-            <p:ph type="title"/>
-          </p:nvPr>
-        </p:nvSpPr>
-        <p:spPr/>
-        <p:txBody>
-          <a:bodyPr/>
-          <a:lstStyle/>
-          <a:p>
-            <a:r>
-              <a:rPr lang="en-US" altLang="zh-TW" dirty="0" smtClean="0"/>
-              <a:t>GCE</a:t>
-            </a:r>
-            <a:r>
-              <a:rPr lang="zh-TW" altLang="en-US" dirty="0" smtClean="0"/>
-              <a:t>排程</a:t>
-            </a:r>
-            <a:endParaRPr lang="zh-TW" altLang="en-US" dirty="0"/>
-          </a:p>
-        </p:txBody>
-      </p:sp>
-      <p:sp>
-        <p:nvSpPr>
-          <p:cNvPr id="3" name="內容版面配置區 2"/>
-          <p:cNvSpPr>
-            <a:spLocks noGrp="1"/>
-          </p:cNvSpPr>
-          <p:nvPr>
-            <p:ph idx="1"/>
-          </p:nvPr>
-        </p:nvSpPr>
-        <p:spPr/>
-        <p:txBody>
-          <a:bodyPr/>
-          <a:lstStyle/>
-          <a:p>
-            <a:r>
-              <a:rPr lang="zh-TW" altLang="en-US" dirty="0" smtClean="0"/>
-              <a:t>在最底下貼上 </a:t>
-            </a:r>
-            <a:r>
-              <a:rPr lang="en-US" altLang="zh-TW" dirty="0" smtClean="0"/>
-              <a:t/>
-            </a:r>
-            <a:br>
-              <a:rPr lang="en-US" altLang="zh-TW" dirty="0" smtClean="0"/>
-            </a:br>
-            <a:r>
-              <a:rPr lang="en-US" altLang="zh-TW" dirty="0" smtClean="0"/>
-              <a:t>* </a:t>
-            </a:r>
-            <a:r>
-              <a:rPr lang="en-US" altLang="zh-TW" dirty="0"/>
-              <a:t>* * * * python3 /</a:t>
-            </a:r>
-            <a:r>
-              <a:rPr lang="en-US" altLang="zh-TW" dirty="0" smtClean="0"/>
-              <a:t>home/malo_richart/line_env/test1/test.py</a:t>
-            </a:r>
-          </a:p>
-          <a:p>
-            <a:pPr lvl="1"/>
-            <a:r>
-              <a:rPr lang="zh-TW" altLang="en-US" dirty="0" smtClean="0"/>
-              <a:t>這個指令欄位在檔案中有說明</a:t>
-            </a:r>
-            <a:endParaRPr lang="en-US" altLang="zh-TW" dirty="0" smtClean="0"/>
-          </a:p>
-          <a:p>
-            <a:r>
-              <a:rPr lang="zh-TW" altLang="en-US" dirty="0" smtClean="0"/>
-              <a:t>按 </a:t>
-            </a:r>
-            <a:r>
-              <a:rPr lang="en-US" altLang="zh-TW" dirty="0" err="1" smtClean="0"/>
-              <a:t>Ctrl^o</a:t>
-            </a:r>
-            <a:r>
-              <a:rPr lang="en-US" altLang="zh-TW" dirty="0" smtClean="0"/>
-              <a:t> </a:t>
-            </a:r>
-            <a:r>
-              <a:rPr lang="zh-TW" altLang="en-US" dirty="0" smtClean="0"/>
-              <a:t>存檔</a:t>
-            </a:r>
-            <a:endParaRPr lang="en-US" altLang="zh-TW" dirty="0" smtClean="0"/>
-          </a:p>
-          <a:p>
-            <a:r>
-              <a:rPr lang="zh-TW" altLang="en-US" dirty="0" smtClean="0"/>
-              <a:t>按 </a:t>
-            </a:r>
-            <a:r>
-              <a:rPr lang="en-US" altLang="zh-TW" dirty="0" err="1" smtClean="0"/>
-              <a:t>Ctrl^x</a:t>
-            </a:r>
-            <a:r>
-              <a:rPr lang="en-US" altLang="zh-TW" dirty="0" smtClean="0"/>
-              <a:t> </a:t>
-            </a:r>
-            <a:r>
-              <a:rPr lang="zh-TW" altLang="en-US" dirty="0" smtClean="0"/>
-              <a:t>離開</a:t>
-            </a:r>
-            <a:endParaRPr lang="en-US" altLang="zh-TW" dirty="0" smtClean="0"/>
-          </a:p>
-          <a:p>
-            <a:r>
-              <a:rPr lang="zh-TW" altLang="en-US" dirty="0" smtClean="0"/>
-              <a:t>至此等一分鐘</a:t>
-            </a:r>
-            <a:r>
-              <a:rPr lang="en-US" altLang="zh-TW" dirty="0" smtClean="0"/>
-              <a:t/>
-            </a:r>
-            <a:br>
-              <a:rPr lang="en-US" altLang="zh-TW" dirty="0" smtClean="0"/>
-            </a:br>
-            <a:r>
-              <a:rPr lang="zh-TW" altLang="en-US" dirty="0" smtClean="0"/>
-              <a:t>就會有</a:t>
-            </a:r>
-            <a:r>
-              <a:rPr lang="en-US" altLang="zh-TW" dirty="0" smtClean="0"/>
-              <a:t>line</a:t>
-            </a:r>
-            <a:r>
-              <a:rPr lang="zh-TW" altLang="en-US" dirty="0" smtClean="0"/>
-              <a:t>訊息傳出</a:t>
-            </a:r>
-            <a:endParaRPr lang="en-US" altLang="zh-TW" dirty="0" smtClean="0"/>
-          </a:p>
-          <a:p>
-            <a:endParaRPr lang="en-US" altLang="zh-TW" dirty="0" smtClean="0"/>
-          </a:p>
-          <a:p>
-            <a:endParaRPr lang="zh-TW" altLang="en-US" dirty="0"/>
-          </a:p>
-        </p:txBody>
-      </p:sp>
-      <p:pic>
-        <p:nvPicPr>
-          <p:cNvPr id="8194" name="Picture 2"/>
-          <p:cNvPicPr>
-            <a:picLocks noChangeAspect="1" noChangeArrowheads="1"/>
-          </p:cNvPicPr>
-          <p:nvPr/>
-        </p:nvPicPr>
-        <p:blipFill>
-          <a:blip r:embed="rId2">
-            <a:extLst>
-              <a:ext uri="{28A0092B-C50C-407E-A947-70E740481C1C}">
-                <a14:useLocalDpi xmlns:a14="http://schemas.microsoft.com/office/drawing/2010/main" val="0"/>
-              </a:ext>
-            </a:extLst>
-          </a:blip>
-          <a:srcRect/>
-          <a:stretch>
-            <a:fillRect/>
-          </a:stretch>
-        </p:blipFill>
-        <p:spPr bwMode="auto">
-          <a:xfrm>
-            <a:off x="3347864" y="2832423"/>
-            <a:ext cx="4640585" cy="3774342"/>
-          </a:xfrm>
-          <a:prstGeom prst="rect">
-            <a:avLst/>
-          </a:prstGeom>
-          <a:noFill/>
-          <a:ln>
-            <a:noFill/>
-          </a:ln>
-          <a:effectLst/>
-          <a:extLst>
-            <a:ext uri="{909E8E84-426E-40DD-AFC4-6F175D3DCCD1}">
-              <a14:hiddenFill xmlns:a14="http://schemas.microsoft.com/office/drawing/2010/main">
-                <a:solidFill>
-                  <a:schemeClr val="accent1"/>
-                </a:solidFill>
-              </a14:hiddenFill>
-            </a:ext>
-            <a:ext uri="{91240B29-F687-4F45-9708-019B960494DF}">
-              <a14:hiddenLine xmlns:a14="http://schemas.microsoft.com/office/drawing/2010/main" w="9525">
-                <a:solidFill>
-                  <a:schemeClr val="tx1"/>
-                </a:solidFill>
-                <a:miter lim="800000"/>
-                <a:headEnd/>
-                <a:tailEnd/>
-              </a14:hiddenLine>
-            </a:ext>
-            <a:ext uri="{AF507438-7753-43E0-B8FC-AC1667EBCBE1}">
-              <a14:hiddenEffects xmlns:a14="http://schemas.microsoft.com/office/drawing/2010/main">
-                <a:effectLst>
-                  <a:outerShdw dist="35921" dir="2700000" algn="ctr" rotWithShape="0">
-                    <a:schemeClr val="bg2"/>
-                  </a:outerShdw>
-                </a:effectLst>
-              </a14:hiddenEffects>
-            </a:ext>
-          </a:extLst>
-        </p:spPr>
-      </p:pic>
-    </p:spTree>
-    <p:extLst>
-      <p:ext uri="{BB962C8B-B14F-4D97-AF65-F5344CB8AC3E}">
-        <p14:creationId xmlns:p14="http://schemas.microsoft.com/office/powerpoint/2010/main" val="3276392029"/>
       </p:ext>
     </p:extLst>
   </p:cSld>

--- a/Day3/Day3-3.pptx
+++ b/Day3/Day3-3.pptx
@@ -5,7 +5,7 @@
     <p:sldMasterId id="2147483660" r:id="rId1"/>
   </p:sldMasterIdLst>
   <p:notesMasterIdLst>
-    <p:notesMasterId r:id="rId19"/>
+    <p:notesMasterId r:id="rId17"/>
   </p:notesMasterIdLst>
   <p:sldIdLst>
     <p:sldId id="256" r:id="rId2"/>
@@ -17,14 +17,12 @@
     <p:sldId id="283" r:id="rId8"/>
     <p:sldId id="285" r:id="rId9"/>
     <p:sldId id="286" r:id="rId10"/>
-    <p:sldId id="287" r:id="rId11"/>
-    <p:sldId id="288" r:id="rId12"/>
-    <p:sldId id="289" r:id="rId13"/>
+    <p:sldId id="300" r:id="rId11"/>
+    <p:sldId id="287" r:id="rId12"/>
+    <p:sldId id="288" r:id="rId13"/>
     <p:sldId id="290" r:id="rId14"/>
     <p:sldId id="299" r:id="rId15"/>
     <p:sldId id="291" r:id="rId16"/>
-    <p:sldId id="297" r:id="rId17"/>
-    <p:sldId id="298" r:id="rId18"/>
   </p:sldIdLst>
   <p:sldSz cx="9144000" cy="6858000" type="screen4x3"/>
   <p:notesSz cx="6858000" cy="9144000"/>
@@ -3659,11 +3657,302 @@
           <a:p>
             <a:r>
               <a:rPr lang="en-US" altLang="zh-TW" dirty="0" smtClean="0"/>
+              <a:t>Linux</a:t>
+            </a:r>
+            <a:r>
+              <a:rPr lang="zh-TW" altLang="en-US" dirty="0" smtClean="0"/>
+              <a:t> 指令</a:t>
+            </a:r>
+            <a:endParaRPr lang="zh-TW" altLang="en-US" dirty="0"/>
+          </a:p>
+        </p:txBody>
+      </p:sp>
+      <p:sp>
+        <p:nvSpPr>
+          <p:cNvPr id="3" name="內容版面配置區 2"/>
+          <p:cNvSpPr>
+            <a:spLocks noGrp="1"/>
+          </p:cNvSpPr>
+          <p:nvPr>
+            <p:ph idx="1"/>
+          </p:nvPr>
+        </p:nvSpPr>
+        <p:spPr/>
+        <p:txBody>
+          <a:bodyPr>
+            <a:normAutofit lnSpcReduction="10000"/>
+          </a:bodyPr>
+          <a:lstStyle/>
+          <a:p>
+            <a:r>
+              <a:rPr lang="en-US" altLang="zh-TW" dirty="0" err="1" smtClean="0"/>
+              <a:t>ls</a:t>
+            </a:r>
+            <a:r>
+              <a:rPr lang="en-US" altLang="zh-TW" dirty="0" smtClean="0"/>
+              <a:t> ~/</a:t>
+            </a:r>
+          </a:p>
+          <a:p>
+            <a:pPr lvl="1"/>
+            <a:r>
+              <a:rPr lang="zh-TW" altLang="en-US" dirty="0" smtClean="0"/>
+              <a:t>查看自己的</a:t>
+            </a:r>
+            <a:r>
+              <a:rPr lang="en-US" altLang="zh-TW" dirty="0" smtClean="0"/>
+              <a:t>home</a:t>
+            </a:r>
+            <a:r>
+              <a:rPr lang="zh-TW" altLang="en-US" dirty="0" smtClean="0"/>
+              <a:t>目錄的檔案中是否有上傳的檔案</a:t>
+            </a:r>
+            <a:endParaRPr lang="en-US" altLang="zh-TW" dirty="0" smtClean="0"/>
+          </a:p>
+          <a:p>
+            <a:r>
+              <a:rPr lang="en-US" altLang="zh-TW" dirty="0" err="1"/>
+              <a:t>mkdir</a:t>
+            </a:r>
+            <a:r>
+              <a:rPr lang="en-US" altLang="zh-TW" dirty="0"/>
+              <a:t> </a:t>
+            </a:r>
+            <a:r>
+              <a:rPr lang="en-US" altLang="zh-TW" dirty="0" err="1"/>
+              <a:t>testdir</a:t>
+            </a:r>
+            <a:endParaRPr lang="en-US" altLang="zh-TW" dirty="0" smtClean="0"/>
+          </a:p>
+          <a:p>
+            <a:pPr lvl="1"/>
+            <a:r>
+              <a:rPr lang="zh-TW" altLang="en-US" dirty="0" smtClean="0"/>
+              <a:t>建立</a:t>
+            </a:r>
+            <a:r>
+              <a:rPr lang="en-US" altLang="zh-TW" dirty="0" err="1" smtClean="0"/>
+              <a:t>testdir</a:t>
+            </a:r>
+            <a:r>
+              <a:rPr lang="zh-TW" altLang="en-US" dirty="0" smtClean="0"/>
+              <a:t>資料夾</a:t>
+            </a:r>
+            <a:endParaRPr lang="en-US" altLang="zh-TW" dirty="0" smtClean="0"/>
+          </a:p>
+          <a:p>
+            <a:r>
+              <a:rPr lang="en-US" altLang="zh-TW" dirty="0" smtClean="0"/>
+              <a:t>cd </a:t>
+            </a:r>
+            <a:r>
+              <a:rPr lang="en-US" altLang="zh-TW" dirty="0" err="1" smtClean="0"/>
+              <a:t>testdir</a:t>
+            </a:r>
+            <a:endParaRPr lang="en-US" altLang="zh-TW" dirty="0" smtClean="0"/>
+          </a:p>
+          <a:p>
+            <a:pPr lvl="1"/>
+            <a:r>
+              <a:rPr lang="zh-TW" altLang="en-US" dirty="0" smtClean="0"/>
+              <a:t>進入</a:t>
+            </a:r>
+            <a:r>
+              <a:rPr lang="en-US" altLang="zh-TW" dirty="0" err="1" smtClean="0"/>
+              <a:t>testdir</a:t>
+            </a:r>
+            <a:r>
+              <a:rPr lang="zh-TW" altLang="en-US" dirty="0" smtClean="0"/>
+              <a:t>資料夾</a:t>
+            </a:r>
+            <a:endParaRPr lang="en-US" altLang="zh-TW" dirty="0" smtClean="0"/>
+          </a:p>
+          <a:p>
+            <a:r>
+              <a:rPr lang="en-US" altLang="zh-TW" dirty="0" smtClean="0"/>
+              <a:t>cd ..</a:t>
+            </a:r>
+          </a:p>
+          <a:p>
+            <a:pPr lvl="1"/>
+            <a:r>
+              <a:rPr lang="zh-TW" altLang="en-US" dirty="0" smtClean="0"/>
+              <a:t>回到上一層資料夾</a:t>
+            </a:r>
+            <a:endParaRPr lang="en-US" altLang="zh-TW" dirty="0" smtClean="0"/>
+          </a:p>
+          <a:p>
+            <a:r>
+              <a:rPr lang="en-US" altLang="zh-TW" dirty="0"/>
+              <a:t>cat </a:t>
+            </a:r>
+            <a:r>
+              <a:rPr lang="en-US" altLang="zh-TW" dirty="0" smtClean="0"/>
+              <a:t>test.py</a:t>
+            </a:r>
+          </a:p>
+          <a:p>
+            <a:pPr lvl="1"/>
+            <a:r>
+              <a:rPr lang="zh-TW" altLang="en-US" dirty="0" smtClean="0"/>
+              <a:t>把檔案 </a:t>
+            </a:r>
+            <a:r>
+              <a:rPr lang="en-US" altLang="zh-TW" dirty="0" smtClean="0"/>
+              <a:t>test.py </a:t>
+            </a:r>
+            <a:r>
+              <a:rPr lang="zh-TW" altLang="en-US" dirty="0" smtClean="0"/>
+              <a:t>的內容印出來</a:t>
+            </a:r>
+            <a:endParaRPr lang="en-US" altLang="zh-TW" dirty="0" smtClean="0"/>
+          </a:p>
+          <a:p>
+            <a:r>
+              <a:rPr lang="en-US" altLang="zh-TW" dirty="0" err="1"/>
+              <a:t>nano</a:t>
+            </a:r>
+            <a:r>
+              <a:rPr lang="en-US" altLang="zh-TW" dirty="0"/>
+              <a:t> </a:t>
+            </a:r>
+            <a:r>
+              <a:rPr lang="en-US" altLang="zh-TW" dirty="0" smtClean="0"/>
+              <a:t>readme.txt</a:t>
+            </a:r>
+          </a:p>
+          <a:p>
+            <a:pPr lvl="1"/>
+            <a:r>
+              <a:rPr lang="zh-TW" altLang="en-US" dirty="0" smtClean="0"/>
+              <a:t>新增、編輯 </a:t>
+            </a:r>
+            <a:r>
+              <a:rPr lang="en-US" altLang="zh-TW" dirty="0" smtClean="0"/>
+              <a:t>readme.txt</a:t>
+            </a:r>
+            <a:r>
+              <a:rPr lang="zh-TW" altLang="en-US" dirty="0" smtClean="0"/>
+              <a:t>檔，用</a:t>
+            </a:r>
+            <a:r>
+              <a:rPr lang="en-US" altLang="zh-TW" dirty="0" err="1" smtClean="0"/>
+              <a:t>Ctrl^o</a:t>
+            </a:r>
+            <a:r>
+              <a:rPr lang="zh-TW" altLang="en-US" dirty="0" smtClean="0"/>
+              <a:t>存檔，</a:t>
+            </a:r>
+            <a:r>
+              <a:rPr lang="en-US" altLang="zh-TW" dirty="0" err="1" smtClean="0"/>
+              <a:t>Ctrl^x</a:t>
+            </a:r>
+            <a:r>
+              <a:rPr lang="zh-TW" altLang="en-US" dirty="0" smtClean="0"/>
+              <a:t>離開</a:t>
+            </a:r>
+            <a:endParaRPr lang="en-US" altLang="zh-TW" dirty="0" smtClean="0"/>
+          </a:p>
+          <a:p>
+            <a:r>
+              <a:rPr lang="en-US" altLang="zh-TW" dirty="0" err="1" smtClean="0"/>
+              <a:t>rm</a:t>
+            </a:r>
+            <a:r>
+              <a:rPr lang="en-US" altLang="zh-TW" dirty="0" smtClean="0"/>
+              <a:t> test_img.py </a:t>
+            </a:r>
+            <a:r>
+              <a:rPr lang="zh-TW" altLang="en-US" dirty="0" smtClean="0"/>
+              <a:t>刪除檔案</a:t>
+            </a:r>
+            <a:endParaRPr lang="en-US" altLang="zh-TW" dirty="0" smtClean="0"/>
+          </a:p>
+          <a:p>
+            <a:endParaRPr lang="en-US" altLang="zh-TW" dirty="0" smtClean="0"/>
+          </a:p>
+          <a:p>
+            <a:endParaRPr lang="en-US" altLang="zh-TW" dirty="0" smtClean="0"/>
+          </a:p>
+          <a:p>
+            <a:endParaRPr lang="en-US" altLang="zh-TW" dirty="0" smtClean="0"/>
+          </a:p>
+          <a:p>
+            <a:endParaRPr lang="zh-TW" altLang="en-US" dirty="0"/>
+          </a:p>
+        </p:txBody>
+      </p:sp>
+    </p:spTree>
+    <p:extLst>
+      <p:ext uri="{BB962C8B-B14F-4D97-AF65-F5344CB8AC3E}">
+        <p14:creationId xmlns:p14="http://schemas.microsoft.com/office/powerpoint/2010/main" val="2909610153"/>
+      </p:ext>
+    </p:extLst>
+  </p:cSld>
+  <p:clrMapOvr>
+    <a:masterClrMapping/>
+  </p:clrMapOvr>
+  <p:timing>
+    <p:tnLst>
+      <p:par>
+        <p:cTn id="1" dur="indefinite" restart="never" nodeType="tmRoot"/>
+      </p:par>
+    </p:tnLst>
+  </p:timing>
+</p:sld>
+</file>
+
+<file path=ppt/slides/slide11.xml><?xml version="1.0" encoding="utf-8"?>
+<p:sld xmlns:a="http://schemas.openxmlformats.org/drawingml/2006/main" xmlns:r="http://schemas.openxmlformats.org/officeDocument/2006/relationships" xmlns:p="http://schemas.openxmlformats.org/presentationml/2006/main">
+  <p:cSld>
+    <p:spTree>
+      <p:nvGrpSpPr>
+        <p:cNvPr id="1" name=""/>
+        <p:cNvGrpSpPr/>
+        <p:nvPr/>
+      </p:nvGrpSpPr>
+      <p:grpSpPr>
+        <a:xfrm>
+          <a:off x="0" y="0"/>
+          <a:ext cx="0" cy="0"/>
+          <a:chOff x="0" y="0"/>
+          <a:chExt cx="0" cy="0"/>
+        </a:xfrm>
+      </p:grpSpPr>
+      <p:sp>
+        <p:nvSpPr>
+          <p:cNvPr id="2" name="標題 1"/>
+          <p:cNvSpPr>
+            <a:spLocks noGrp="1"/>
+          </p:cNvSpPr>
+          <p:nvPr>
+            <p:ph type="title"/>
+          </p:nvPr>
+        </p:nvSpPr>
+        <p:spPr/>
+        <p:txBody>
+          <a:bodyPr/>
+          <a:lstStyle/>
+          <a:p>
+            <a:r>
+              <a:rPr lang="en-US" altLang="zh-TW" dirty="0" smtClean="0"/>
               <a:t>GCE</a:t>
             </a:r>
             <a:r>
               <a:rPr lang="zh-TW" altLang="en-US" dirty="0" smtClean="0"/>
-              <a:t>排程</a:t>
+              <a:t>中</a:t>
+            </a:r>
+            <a:r>
+              <a:rPr lang="en-US" altLang="zh-TW" dirty="0" smtClean="0"/>
+              <a:t>Linux</a:t>
+            </a:r>
+            <a:r>
+              <a:rPr lang="zh-TW" altLang="en-US" dirty="0" smtClean="0"/>
+              <a:t>排</a:t>
+            </a:r>
+            <a:r>
+              <a:rPr lang="zh-TW" altLang="en-US" dirty="0" smtClean="0"/>
+              <a:t>程</a:t>
             </a:r>
             <a:endParaRPr lang="zh-TW" altLang="en-US" dirty="0"/>
           </a:p>
@@ -3826,10 +4115,17 @@
   <p:clrMapOvr>
     <a:masterClrMapping/>
   </p:clrMapOvr>
+  <p:timing>
+    <p:tnLst>
+      <p:par>
+        <p:cTn id="1" dur="indefinite" restart="never" nodeType="tmRoot"/>
+      </p:par>
+    </p:tnLst>
+  </p:timing>
 </p:sld>
 </file>
 
-<file path=ppt/slides/slide11.xml><?xml version="1.0" encoding="utf-8"?>
+<file path=ppt/slides/slide12.xml><?xml version="1.0" encoding="utf-8"?>
 <p:sld xmlns:a="http://schemas.openxmlformats.org/drawingml/2006/main" xmlns:r="http://schemas.openxmlformats.org/officeDocument/2006/relationships" xmlns:p="http://schemas.openxmlformats.org/presentationml/2006/main">
   <p:cSld>
     <p:spTree>
@@ -3905,20 +4201,56 @@
             </a:r>
             <a:r>
               <a:rPr lang="en-US" altLang="zh-TW" dirty="0"/>
-              <a:t>* * * * python3 /</a:t>
-            </a:r>
-            <a:r>
-              <a:rPr lang="en-US" altLang="zh-TW" dirty="0" smtClean="0"/>
-              <a:t>home/malo_richart/line_env/test1/test.py</a:t>
+              <a:t>* * * * python3 </a:t>
+            </a:r>
+            <a:r>
+              <a:rPr lang="en-US" altLang="zh-TW" dirty="0">
+                <a:solidFill>
+                  <a:srgbClr val="FF0000"/>
+                </a:solidFill>
+              </a:rPr>
+              <a:t>/</a:t>
+            </a:r>
+            <a:r>
+              <a:rPr lang="en-US" altLang="zh-TW" dirty="0" smtClean="0">
+                <a:solidFill>
+                  <a:srgbClr val="FF0000"/>
+                </a:solidFill>
+              </a:rPr>
+              <a:t>home/malo_richart/line_env/test1/</a:t>
+            </a:r>
+            <a:r>
+              <a:rPr lang="en-US" altLang="zh-TW" dirty="0" smtClean="0"/>
+              <a:t>test.py</a:t>
             </a:r>
           </a:p>
           <a:p>
             <a:pPr lvl="1"/>
             <a:r>
               <a:rPr lang="zh-TW" altLang="en-US" dirty="0" smtClean="0"/>
-              <a:t>這個指令欄位在檔案中有說明</a:t>
+              <a:t>這個指令欄位在檔案中有</a:t>
+            </a:r>
+            <a:r>
+              <a:rPr lang="zh-TW" altLang="en-US" dirty="0" smtClean="0"/>
+              <a:t>說明</a:t>
             </a:r>
             <a:endParaRPr lang="en-US" altLang="zh-TW" dirty="0" smtClean="0"/>
+          </a:p>
+          <a:p>
+            <a:pPr lvl="1"/>
+            <a:r>
+              <a:rPr lang="zh-TW" altLang="en-US" dirty="0" smtClean="0">
+                <a:solidFill>
+                  <a:srgbClr val="FF0000"/>
+                </a:solidFill>
+              </a:rPr>
+              <a:t>路徑需要依自己的修改</a:t>
+            </a:r>
+            <a:endParaRPr lang="en-US" altLang="zh-TW" dirty="0" smtClean="0">
+              <a:solidFill>
+                <a:srgbClr val="FF0000"/>
+              </a:solidFill>
+            </a:endParaRPr>
           </a:p>
           <a:p>
             <a:r>
@@ -4015,7 +4347,7 @@
         </p:blipFill>
         <p:spPr bwMode="auto">
           <a:xfrm>
-            <a:off x="3347864" y="2832423"/>
+            <a:off x="3491880" y="3083658"/>
             <a:ext cx="4640585" cy="3774342"/>
           </a:xfrm>
           <a:prstGeom prst="rect">
@@ -4066,420 +4398,13 @@
   <p:clrMapOvr>
     <a:masterClrMapping/>
   </p:clrMapOvr>
-</p:sld>
-</file>
-
-<file path=ppt/slides/slide12.xml><?xml version="1.0" encoding="utf-8"?>
-<p:sld xmlns:a="http://schemas.openxmlformats.org/drawingml/2006/main" xmlns:r="http://schemas.openxmlformats.org/officeDocument/2006/relationships" xmlns:p="http://schemas.openxmlformats.org/presentationml/2006/main">
-  <p:cSld>
-    <p:spTree>
-      <p:nvGrpSpPr>
-        <p:cNvPr id="1" name=""/>
-        <p:cNvGrpSpPr/>
-        <p:nvPr/>
-      </p:nvGrpSpPr>
-      <p:grpSpPr>
-        <a:xfrm>
-          <a:off x="0" y="0"/>
-          <a:ext cx="0" cy="0"/>
-          <a:chOff x="0" y="0"/>
-          <a:chExt cx="0" cy="0"/>
-        </a:xfrm>
-      </p:grpSpPr>
-      <p:sp>
-        <p:nvSpPr>
-          <p:cNvPr id="2" name="標題 1"/>
-          <p:cNvSpPr>
-            <a:spLocks noGrp="1"/>
-          </p:cNvSpPr>
-          <p:nvPr>
-            <p:ph type="title"/>
-          </p:nvPr>
-        </p:nvSpPr>
-        <p:spPr/>
-        <p:txBody>
-          <a:bodyPr/>
-          <a:lstStyle/>
-          <a:p>
-            <a:r>
-              <a:rPr lang="en-US" altLang="zh-TW" dirty="0" smtClean="0"/>
-              <a:t>GCE</a:t>
-            </a:r>
-            <a:r>
-              <a:rPr lang="zh-TW" altLang="en-US" dirty="0" smtClean="0"/>
-              <a:t>排程</a:t>
-            </a:r>
-            <a:endParaRPr lang="zh-TW" altLang="en-US" dirty="0"/>
-          </a:p>
-        </p:txBody>
-      </p:sp>
-      <p:sp>
-        <p:nvSpPr>
-          <p:cNvPr id="3" name="內容版面配置區 2"/>
-          <p:cNvSpPr>
-            <a:spLocks noGrp="1"/>
-          </p:cNvSpPr>
-          <p:nvPr>
-            <p:ph idx="1"/>
-          </p:nvPr>
-        </p:nvSpPr>
-        <p:spPr/>
-        <p:txBody>
-          <a:bodyPr>
-            <a:normAutofit fontScale="85000" lnSpcReduction="20000"/>
-          </a:bodyPr>
-          <a:lstStyle/>
-          <a:p>
-            <a:r>
-              <a:rPr lang="zh-TW" altLang="en-US" dirty="0" smtClean="0"/>
-              <a:t>如果沒有成功</a:t>
-            </a:r>
-            <a:r>
-              <a:rPr lang="en-US" altLang="zh-TW" dirty="0" smtClean="0"/>
-              <a:t>…</a:t>
-            </a:r>
-          </a:p>
-          <a:p>
-            <a:r>
-              <a:rPr lang="zh-TW" altLang="en-US" dirty="0" smtClean="0"/>
-              <a:t>就是環境中的</a:t>
-            </a:r>
-            <a:r>
-              <a:rPr lang="en-US" altLang="zh-TW" dirty="0" smtClean="0"/>
-              <a:t>python3</a:t>
-            </a:r>
-            <a:r>
-              <a:rPr lang="zh-TW" altLang="en-US" dirty="0" smtClean="0"/>
-              <a:t>沒有安裝 </a:t>
-            </a:r>
-            <a:r>
-              <a:rPr lang="en-US" altLang="zh-TW" dirty="0" smtClean="0"/>
-              <a:t>request</a:t>
-            </a:r>
-          </a:p>
-          <a:p>
-            <a:r>
-              <a:rPr lang="en-US" altLang="zh-TW" dirty="0" smtClean="0"/>
-              <a:t>pip install requests </a:t>
-            </a:r>
-            <a:r>
-              <a:rPr lang="zh-TW" altLang="en-US" dirty="0" smtClean="0"/>
-              <a:t>就行了</a:t>
-            </a:r>
-            <a:endParaRPr lang="en-US" altLang="zh-TW" dirty="0" smtClean="0"/>
-          </a:p>
-          <a:p>
-            <a:r>
-              <a:rPr lang="en-US" altLang="zh-TW" dirty="0" smtClean="0"/>
-              <a:t>…</a:t>
-            </a:r>
-          </a:p>
-          <a:p>
-            <a:r>
-              <a:rPr lang="zh-TW" altLang="en-US" dirty="0" smtClean="0"/>
-              <a:t>等等</a:t>
-            </a:r>
-            <a:r>
-              <a:rPr lang="en-US" altLang="zh-TW" dirty="0" smtClean="0"/>
-              <a:t>! </a:t>
-            </a:r>
-            <a:r>
-              <a:rPr lang="zh-TW" altLang="en-US" dirty="0" smtClean="0"/>
-              <a:t>前面</a:t>
-            </a:r>
-            <a:r>
-              <a:rPr lang="en-US" altLang="zh-TW" dirty="0" err="1" smtClean="0"/>
-              <a:t>venv</a:t>
-            </a:r>
-            <a:r>
-              <a:rPr lang="zh-TW" altLang="en-US" dirty="0" smtClean="0"/>
-              <a:t>不是有裝過嗎</a:t>
-            </a:r>
-            <a:r>
-              <a:rPr lang="en-US" altLang="zh-TW" dirty="0" smtClean="0"/>
-              <a:t>?</a:t>
-            </a:r>
-          </a:p>
-          <a:p>
-            <a:r>
-              <a:rPr lang="zh-TW" altLang="en-US" dirty="0" smtClean="0"/>
-              <a:t>用</a:t>
-            </a:r>
-            <a:r>
-              <a:rPr lang="en-US" altLang="zh-TW" dirty="0" err="1" smtClean="0"/>
-              <a:t>venv</a:t>
-            </a:r>
-            <a:r>
-              <a:rPr lang="zh-TW" altLang="en-US" dirty="0" smtClean="0"/>
-              <a:t>的話，執行程式前，要先進入</a:t>
-            </a:r>
-            <a:r>
-              <a:rPr lang="en-US" altLang="zh-TW" dirty="0" err="1" smtClean="0"/>
-              <a:t>venv</a:t>
-            </a:r>
-            <a:r>
-              <a:rPr lang="zh-TW" altLang="en-US" dirty="0" smtClean="0"/>
-              <a:t>的環境才行</a:t>
-            </a:r>
-            <a:endParaRPr lang="en-US" altLang="zh-TW" dirty="0" smtClean="0"/>
-          </a:p>
-          <a:p>
-            <a:r>
-              <a:rPr lang="zh-TW" altLang="en-US" dirty="0" smtClean="0"/>
-              <a:t>下指令</a:t>
-            </a:r>
-            <a:r>
-              <a:rPr lang="en-US" altLang="zh-TW" dirty="0" smtClean="0"/>
-              <a:t>`</a:t>
-            </a:r>
-            <a:r>
-              <a:rPr lang="en-US" altLang="zh-TW" b="1" dirty="0"/>
-              <a:t>~/</a:t>
-            </a:r>
-            <a:r>
-              <a:rPr lang="en-US" altLang="zh-TW" b="1" dirty="0" err="1" smtClean="0"/>
-              <a:t>line_env</a:t>
-            </a:r>
-            <a:r>
-              <a:rPr lang="en-US" altLang="zh-TW" b="1" dirty="0" smtClean="0"/>
-              <a:t>/test1`</a:t>
-            </a:r>
-            <a:endParaRPr lang="en-US" altLang="zh-TW" dirty="0" smtClean="0"/>
-          </a:p>
-          <a:p>
-            <a:r>
-              <a:rPr lang="zh-TW" altLang="en-US" dirty="0" smtClean="0"/>
-              <a:t>下指令 </a:t>
-            </a:r>
-            <a:r>
-              <a:rPr lang="en-US" altLang="zh-TW" dirty="0" smtClean="0"/>
-              <a:t>`</a:t>
-            </a:r>
-            <a:r>
-              <a:rPr lang="en-US" altLang="zh-TW" dirty="0" err="1" smtClean="0"/>
-              <a:t>nano</a:t>
-            </a:r>
-            <a:r>
-              <a:rPr lang="en-US" altLang="zh-TW" dirty="0" smtClean="0"/>
-              <a:t> run.sh`</a:t>
-            </a:r>
-            <a:r>
-              <a:rPr lang="zh-TW" altLang="en-US" dirty="0" smtClean="0"/>
-              <a:t>，並貼上指令</a:t>
-            </a:r>
-            <a:r>
-              <a:rPr lang="en-US" altLang="zh-TW" dirty="0" smtClean="0"/>
-              <a:t>:</a:t>
-            </a:r>
-          </a:p>
-          <a:p>
-            <a:pPr marL="114300" indent="0">
-              <a:buNone/>
-            </a:pPr>
-            <a:r>
-              <a:rPr lang="en-US" altLang="zh-TW" dirty="0"/>
-              <a:t>#!/</a:t>
-            </a:r>
-            <a:r>
-              <a:rPr lang="en-US" altLang="zh-TW" dirty="0" smtClean="0"/>
-              <a:t>bin/bash</a:t>
-            </a:r>
-          </a:p>
-          <a:p>
-            <a:pPr marL="114300" indent="0">
-              <a:buNone/>
-            </a:pPr>
-            <a:r>
-              <a:rPr lang="en-US" altLang="zh-TW" b="1" dirty="0" smtClean="0"/>
-              <a:t>cd</a:t>
-            </a:r>
-            <a:r>
-              <a:rPr lang="en-US" altLang="zh-TW" dirty="0" smtClean="0"/>
-              <a:t> </a:t>
-            </a:r>
-            <a:r>
-              <a:rPr lang="en-US" altLang="zh-TW" dirty="0"/>
-              <a:t>~/</a:t>
-            </a:r>
-            <a:r>
-              <a:rPr lang="en-US" altLang="zh-TW" dirty="0" err="1" smtClean="0"/>
-              <a:t>line_env</a:t>
-            </a:r>
-            <a:endParaRPr lang="en-US" altLang="zh-TW" dirty="0" smtClean="0"/>
-          </a:p>
-          <a:p>
-            <a:pPr marL="114300" indent="0">
-              <a:buNone/>
-            </a:pPr>
-            <a:r>
-              <a:rPr lang="en-US" altLang="zh-TW" dirty="0" smtClean="0"/>
-              <a:t>source </a:t>
-            </a:r>
-            <a:r>
-              <a:rPr lang="en-US" altLang="zh-TW" dirty="0" err="1" smtClean="0"/>
-              <a:t>venv</a:t>
-            </a:r>
-            <a:r>
-              <a:rPr lang="en-US" altLang="zh-TW" dirty="0" smtClean="0"/>
-              <a:t>/bin/activate</a:t>
-            </a:r>
-          </a:p>
-          <a:p>
-            <a:pPr marL="114300" indent="0">
-              <a:buNone/>
-            </a:pPr>
-            <a:r>
-              <a:rPr lang="en-US" altLang="zh-TW" b="1" dirty="0" smtClean="0"/>
-              <a:t>cd</a:t>
-            </a:r>
-            <a:r>
-              <a:rPr lang="en-US" altLang="zh-TW" dirty="0" smtClean="0"/>
-              <a:t> test1</a:t>
-            </a:r>
-          </a:p>
-          <a:p>
-            <a:pPr marL="114300" indent="0">
-              <a:buNone/>
-            </a:pPr>
-            <a:r>
-              <a:rPr lang="en-US" altLang="zh-TW" dirty="0" smtClean="0"/>
-              <a:t>python </a:t>
-            </a:r>
-            <a:r>
-              <a:rPr lang="en-US" altLang="zh-TW" dirty="0"/>
-              <a:t>test.py </a:t>
-            </a:r>
-            <a:r>
-              <a:rPr lang="en-US" altLang="zh-TW" dirty="0" smtClean="0"/>
-              <a:t>&amp;</a:t>
-            </a:r>
-          </a:p>
-          <a:p>
-            <a:r>
-              <a:rPr lang="zh-TW" altLang="en-US" dirty="0"/>
-              <a:t>按 </a:t>
-            </a:r>
-            <a:r>
-              <a:rPr lang="en-US" altLang="zh-TW" dirty="0" err="1"/>
-              <a:t>Ctrl^o</a:t>
-            </a:r>
-            <a:r>
-              <a:rPr lang="en-US" altLang="zh-TW" dirty="0"/>
-              <a:t> </a:t>
-            </a:r>
-            <a:r>
-              <a:rPr lang="zh-TW" altLang="en-US" dirty="0"/>
-              <a:t>存檔</a:t>
-            </a:r>
-            <a:endParaRPr lang="en-US" altLang="zh-TW" dirty="0"/>
-          </a:p>
-          <a:p>
-            <a:r>
-              <a:rPr lang="zh-TW" altLang="en-US" dirty="0"/>
-              <a:t>按 </a:t>
-            </a:r>
-            <a:r>
-              <a:rPr lang="en-US" altLang="zh-TW" dirty="0" err="1"/>
-              <a:t>Ctrl^x</a:t>
-            </a:r>
-            <a:r>
-              <a:rPr lang="en-US" altLang="zh-TW" dirty="0"/>
-              <a:t> </a:t>
-            </a:r>
-            <a:r>
-              <a:rPr lang="zh-TW" altLang="en-US" dirty="0"/>
-              <a:t>離開</a:t>
-            </a:r>
-            <a:endParaRPr lang="en-US" altLang="zh-TW" dirty="0"/>
-          </a:p>
-          <a:p>
-            <a:pPr marL="114300" indent="0">
-              <a:buNone/>
-            </a:pPr>
-            <a:endParaRPr lang="en-US" altLang="zh-TW" dirty="0" smtClean="0"/>
-          </a:p>
-          <a:p>
-            <a:endParaRPr lang="en-US" altLang="zh-TW" dirty="0" smtClean="0"/>
-          </a:p>
-          <a:p>
-            <a:endParaRPr lang="zh-TW" altLang="en-US" dirty="0"/>
-          </a:p>
-        </p:txBody>
-      </p:sp>
-      <p:pic>
-        <p:nvPicPr>
-          <p:cNvPr id="9218" name="Picture 2"/>
-          <p:cNvPicPr>
-            <a:picLocks noChangeAspect="1" noChangeArrowheads="1"/>
-          </p:cNvPicPr>
-          <p:nvPr/>
-        </p:nvPicPr>
-        <p:blipFill>
-          <a:blip r:embed="rId2">
-            <a:extLst>
-              <a:ext uri="{28A0092B-C50C-407E-A947-70E740481C1C}">
-                <a14:useLocalDpi xmlns:a14="http://schemas.microsoft.com/office/drawing/2010/main" val="0"/>
-              </a:ext>
-            </a:extLst>
-          </a:blip>
-          <a:srcRect/>
-          <a:stretch>
-            <a:fillRect/>
-          </a:stretch>
-        </p:blipFill>
-        <p:spPr bwMode="auto">
-          <a:xfrm>
-            <a:off x="4355976" y="4509120"/>
-            <a:ext cx="2047875" cy="1619250"/>
-          </a:xfrm>
-          <a:prstGeom prst="rect">
-            <a:avLst/>
-          </a:prstGeom>
-          <a:noFill/>
-          <a:ln>
-            <a:noFill/>
-          </a:ln>
-          <a:effectLst/>
-          <a:extLst>
-            <a:ext uri="{909E8E84-426E-40DD-AFC4-6F175D3DCCD1}">
-              <a14:hiddenFill xmlns:a14="http://schemas.microsoft.com/office/drawing/2010/main">
-                <a:solidFill>
-                  <a:schemeClr val="accent1"/>
-                </a:solidFill>
-              </a14:hiddenFill>
-            </a:ext>
-            <a:ext uri="{91240B29-F687-4F45-9708-019B960494DF}">
-              <a14:hiddenLine xmlns:a14="http://schemas.microsoft.com/office/drawing/2010/main" w="9525">
-                <a:solidFill>
-                  <a:schemeClr val="tx1"/>
-                </a:solidFill>
-                <a:miter lim="800000"/>
-                <a:headEnd/>
-                <a:tailEnd/>
-              </a14:hiddenLine>
-            </a:ext>
-            <a:ext uri="{AF507438-7753-43E0-B8FC-AC1667EBCBE1}">
-              <a14:hiddenEffects xmlns:a14="http://schemas.microsoft.com/office/drawing/2010/main">
-                <a:effectLst>
-                  <a:outerShdw dist="35921" dir="2700000" algn="ctr" rotWithShape="0">
-                    <a:schemeClr val="bg2"/>
-                  </a:outerShdw>
-                </a:effectLst>
-              </a14:hiddenEffects>
-            </a:ext>
-          </a:extLst>
-        </p:spPr>
-      </p:pic>
-    </p:spTree>
-    <p:extLst>
-      <p:ext uri="{BB962C8B-B14F-4D97-AF65-F5344CB8AC3E}">
-        <p14:creationId xmlns:p14="http://schemas.microsoft.com/office/powerpoint/2010/main" val="3457286648"/>
-      </p:ext>
-    </p:extLst>
-  </p:cSld>
-  <p:clrMapOvr>
-    <a:masterClrMapping/>
-  </p:clrMapOvr>
+  <p:timing>
+    <p:tnLst>
+      <p:par>
+        <p:cTn id="1" dur="indefinite" restart="never" nodeType="tmRoot"/>
+      </p:par>
+    </p:tnLst>
+  </p:timing>
 </p:sld>
 </file>
 
@@ -4578,7 +4503,7 @@
               <a:t>:</a:t>
             </a:r>
             <a:r>
-              <a:rPr lang="zh-TW" altLang="en-US" smtClean="0"/>
+              <a:rPr lang="zh-TW" altLang="en-US" dirty="0" smtClean="0"/>
               <a:t>股價月趨勢圖的推送</a:t>
             </a:r>
             <a:endParaRPr lang="en-US" altLang="zh-TW" dirty="0" smtClean="0"/>
@@ -4607,6 +4532,13 @@
   <p:clrMapOvr>
     <a:masterClrMapping/>
   </p:clrMapOvr>
+  <p:timing>
+    <p:tnLst>
+      <p:par>
+        <p:cTn id="1" dur="indefinite" restart="never" nodeType="tmRoot"/>
+      </p:par>
+    </p:tnLst>
+  </p:timing>
 </p:sld>
 </file>
 
@@ -4741,7 +4673,7 @@
         <p:spPr/>
         <p:txBody>
           <a:bodyPr>
-            <a:normAutofit/>
+            <a:normAutofit lnSpcReduction="10000"/>
           </a:bodyPr>
           <a:lstStyle/>
           <a:p>
@@ -4913,7 +4845,48 @@
             </a:r>
             <a:r>
               <a:rPr lang="en-US" altLang="zh-TW" dirty="0"/>
-              <a:t>* * * /home/malo/run.sh</a:t>
+              <a:t>* * * /</a:t>
+            </a:r>
+            <a:r>
+              <a:rPr lang="en-US" altLang="zh-TW" dirty="0" smtClean="0"/>
+              <a:t>home/malo/run.sh</a:t>
+            </a:r>
+          </a:p>
+          <a:p>
+            <a:r>
+              <a:rPr lang="zh-TW" altLang="en-US" dirty="0" smtClean="0"/>
+              <a:t>每月的</a:t>
+            </a:r>
+            <a:r>
+              <a:rPr lang="en-US" altLang="zh-TW" dirty="0" smtClean="0"/>
+              <a:t>1</a:t>
+            </a:r>
+            <a:r>
+              <a:rPr lang="zh-TW" altLang="en-US" dirty="0" smtClean="0"/>
+              <a:t>、</a:t>
+            </a:r>
+            <a:r>
+              <a:rPr lang="en-US" altLang="zh-TW" dirty="0" smtClean="0"/>
+              <a:t>15</a:t>
+            </a:r>
+            <a:r>
+              <a:rPr lang="zh-TW" altLang="en-US" dirty="0" smtClean="0"/>
+              <a:t>執行一次</a:t>
+            </a:r>
+            <a:endParaRPr lang="en-US" altLang="zh-TW" dirty="0" smtClean="0"/>
+          </a:p>
+          <a:p>
+            <a:r>
+              <a:rPr lang="en-US" altLang="zh-TW" dirty="0"/>
+              <a:t>0 8</a:t>
+            </a:r>
+            <a:r>
+              <a:rPr lang="en-US" altLang="zh-TW" dirty="0" smtClean="0"/>
+              <a:t> 1,15 </a:t>
+            </a:r>
+            <a:r>
+              <a:rPr lang="en-US" altLang="zh-TW" dirty="0"/>
+              <a:t>* * /home/malo/run.sh</a:t>
             </a:r>
             <a:endParaRPr lang="en-US" altLang="zh-TW" dirty="0" smtClean="0"/>
           </a:p>
@@ -4935,456 +4908,6 @@
   <p:clrMapOvr>
     <a:masterClrMapping/>
   </p:clrMapOvr>
-</p:sld>
-</file>
-
-<file path=ppt/slides/slide16.xml><?xml version="1.0" encoding="utf-8"?>
-<p:sld xmlns:a="http://schemas.openxmlformats.org/drawingml/2006/main" xmlns:r="http://schemas.openxmlformats.org/officeDocument/2006/relationships" xmlns:p="http://schemas.openxmlformats.org/presentationml/2006/main">
-  <p:cSld>
-    <p:spTree>
-      <p:nvGrpSpPr>
-        <p:cNvPr id="1" name=""/>
-        <p:cNvGrpSpPr/>
-        <p:nvPr/>
-      </p:nvGrpSpPr>
-      <p:grpSpPr>
-        <a:xfrm>
-          <a:off x="0" y="0"/>
-          <a:ext cx="0" cy="0"/>
-          <a:chOff x="0" y="0"/>
-          <a:chExt cx="0" cy="0"/>
-        </a:xfrm>
-      </p:grpSpPr>
-      <p:sp>
-        <p:nvSpPr>
-          <p:cNvPr id="2" name="標題 1"/>
-          <p:cNvSpPr>
-            <a:spLocks noGrp="1"/>
-          </p:cNvSpPr>
-          <p:nvPr>
-            <p:ph type="title"/>
-          </p:nvPr>
-        </p:nvSpPr>
-        <p:spPr/>
-        <p:txBody>
-          <a:bodyPr/>
-          <a:lstStyle/>
-          <a:p>
-            <a:r>
-              <a:rPr lang="en-US" altLang="zh-TW" dirty="0" smtClean="0"/>
-              <a:t>GCE</a:t>
-            </a:r>
-            <a:r>
-              <a:rPr lang="zh-TW" altLang="en-US" dirty="0" smtClean="0"/>
-              <a:t>排</a:t>
-            </a:r>
-            <a:r>
-              <a:rPr lang="zh-TW" altLang="en-US" dirty="0" smtClean="0"/>
-              <a:t>程 </a:t>
-            </a:r>
-            <a:r>
-              <a:rPr lang="en-US" altLang="zh-TW" dirty="0" smtClean="0"/>
-              <a:t>– </a:t>
-            </a:r>
-            <a:r>
-              <a:rPr lang="zh-TW" altLang="en-US" dirty="0" smtClean="0"/>
-              <a:t>以虛擬環境來跑</a:t>
-            </a:r>
-            <a:endParaRPr lang="zh-TW" altLang="en-US" dirty="0"/>
-          </a:p>
-        </p:txBody>
-      </p:sp>
-      <p:sp>
-        <p:nvSpPr>
-          <p:cNvPr id="3" name="內容版面配置區 2"/>
-          <p:cNvSpPr>
-            <a:spLocks noGrp="1"/>
-          </p:cNvSpPr>
-          <p:nvPr>
-            <p:ph idx="1"/>
-          </p:nvPr>
-        </p:nvSpPr>
-        <p:spPr/>
-        <p:txBody>
-          <a:bodyPr/>
-          <a:lstStyle/>
-          <a:p>
-            <a:r>
-              <a:rPr lang="en-US" altLang="zh-TW" dirty="0" err="1"/>
-              <a:t>sudo</a:t>
-            </a:r>
-            <a:r>
-              <a:rPr lang="en-US" altLang="zh-TW" dirty="0"/>
-              <a:t> apt-get update</a:t>
-            </a:r>
-            <a:endParaRPr lang="en-US" altLang="zh-TW" dirty="0" smtClean="0"/>
-          </a:p>
-          <a:p>
-            <a:r>
-              <a:rPr lang="en-US" altLang="zh-TW" dirty="0" err="1"/>
-              <a:t>sudo</a:t>
-            </a:r>
-            <a:r>
-              <a:rPr lang="en-US" altLang="zh-TW" dirty="0"/>
-              <a:t> apt install </a:t>
-            </a:r>
-            <a:r>
-              <a:rPr lang="en-US" altLang="zh-TW" dirty="0" smtClean="0"/>
-              <a:t>python3-pip</a:t>
-            </a:r>
-          </a:p>
-          <a:p>
-            <a:r>
-              <a:rPr lang="en-US" altLang="zh-TW" dirty="0" err="1"/>
-              <a:t>sudo</a:t>
-            </a:r>
-            <a:r>
-              <a:rPr lang="en-US" altLang="zh-TW" dirty="0"/>
-              <a:t> pip3 install </a:t>
-            </a:r>
-            <a:r>
-              <a:rPr lang="en-US" altLang="zh-TW" dirty="0" err="1" smtClean="0"/>
-              <a:t>virtualenv</a:t>
-            </a:r>
-            <a:endParaRPr lang="en-US" altLang="zh-TW" dirty="0" smtClean="0"/>
-          </a:p>
-          <a:p>
-            <a:r>
-              <a:rPr lang="en-US" altLang="zh-TW" dirty="0" err="1"/>
-              <a:t>sudo</a:t>
-            </a:r>
-            <a:r>
-              <a:rPr lang="en-US" altLang="zh-TW" dirty="0"/>
-              <a:t> apt-get install python3-venv</a:t>
-            </a:r>
-            <a:endParaRPr lang="en-US" altLang="zh-TW" dirty="0" smtClean="0"/>
-          </a:p>
-          <a:p>
-            <a:r>
-              <a:rPr lang="en-US" altLang="zh-TW" dirty="0"/>
-              <a:t>python3 -m </a:t>
-            </a:r>
-            <a:r>
-              <a:rPr lang="en-US" altLang="zh-TW" dirty="0" err="1"/>
-              <a:t>venv</a:t>
-            </a:r>
-            <a:r>
-              <a:rPr lang="en-US" altLang="zh-TW" dirty="0"/>
-              <a:t> </a:t>
-            </a:r>
-            <a:r>
-              <a:rPr lang="en-US" altLang="zh-TW" dirty="0" err="1" smtClean="0"/>
-              <a:t>vnev</a:t>
-            </a:r>
-            <a:endParaRPr lang="zh-TW" altLang="en-US" dirty="0"/>
-          </a:p>
-        </p:txBody>
-      </p:sp>
-      <p:pic>
-        <p:nvPicPr>
-          <p:cNvPr id="4098" name="Picture 2"/>
-          <p:cNvPicPr>
-            <a:picLocks noChangeAspect="1" noChangeArrowheads="1"/>
-          </p:cNvPicPr>
-          <p:nvPr/>
-        </p:nvPicPr>
-        <p:blipFill>
-          <a:blip r:embed="rId2">
-            <a:extLst>
-              <a:ext uri="{28A0092B-C50C-407E-A947-70E740481C1C}">
-                <a14:useLocalDpi xmlns:a14="http://schemas.microsoft.com/office/drawing/2010/main" val="0"/>
-              </a:ext>
-            </a:extLst>
-          </a:blip>
-          <a:srcRect/>
-          <a:stretch>
-            <a:fillRect/>
-          </a:stretch>
-        </p:blipFill>
-        <p:spPr bwMode="auto">
-          <a:xfrm>
-            <a:off x="1331640" y="3789040"/>
-            <a:ext cx="4600575" cy="1638300"/>
-          </a:xfrm>
-          <a:prstGeom prst="rect">
-            <a:avLst/>
-          </a:prstGeom>
-          <a:noFill/>
-          <a:ln>
-            <a:noFill/>
-          </a:ln>
-          <a:effectLst/>
-          <a:extLst>
-            <a:ext uri="{909E8E84-426E-40DD-AFC4-6F175D3DCCD1}">
-              <a14:hiddenFill xmlns:a14="http://schemas.microsoft.com/office/drawing/2010/main">
-                <a:solidFill>
-                  <a:schemeClr val="accent1"/>
-                </a:solidFill>
-              </a14:hiddenFill>
-            </a:ext>
-            <a:ext uri="{91240B29-F687-4F45-9708-019B960494DF}">
-              <a14:hiddenLine xmlns:a14="http://schemas.microsoft.com/office/drawing/2010/main" w="9525">
-                <a:solidFill>
-                  <a:schemeClr val="tx1"/>
-                </a:solidFill>
-                <a:miter lim="800000"/>
-                <a:headEnd/>
-                <a:tailEnd/>
-              </a14:hiddenLine>
-            </a:ext>
-            <a:ext uri="{AF507438-7753-43E0-B8FC-AC1667EBCBE1}">
-              <a14:hiddenEffects xmlns:a14="http://schemas.microsoft.com/office/drawing/2010/main">
-                <a:effectLst>
-                  <a:outerShdw dist="35921" dir="2700000" algn="ctr" rotWithShape="0">
-                    <a:schemeClr val="bg2"/>
-                  </a:outerShdw>
-                </a:effectLst>
-              </a14:hiddenEffects>
-            </a:ext>
-          </a:extLst>
-        </p:spPr>
-      </p:pic>
-    </p:spTree>
-    <p:extLst>
-      <p:ext uri="{BB962C8B-B14F-4D97-AF65-F5344CB8AC3E}">
-        <p14:creationId xmlns:p14="http://schemas.microsoft.com/office/powerpoint/2010/main" val="1825987609"/>
-      </p:ext>
-    </p:extLst>
-  </p:cSld>
-  <p:clrMapOvr>
-    <a:masterClrMapping/>
-  </p:clrMapOvr>
-  <p:timing>
-    <p:tnLst>
-      <p:par>
-        <p:cTn id="1" dur="indefinite" restart="never" nodeType="tmRoot"/>
-      </p:par>
-    </p:tnLst>
-  </p:timing>
-</p:sld>
-</file>
-
-<file path=ppt/slides/slide17.xml><?xml version="1.0" encoding="utf-8"?>
-<p:sld xmlns:a="http://schemas.openxmlformats.org/drawingml/2006/main" xmlns:r="http://schemas.openxmlformats.org/officeDocument/2006/relationships" xmlns:p="http://schemas.openxmlformats.org/presentationml/2006/main">
-  <p:cSld>
-    <p:spTree>
-      <p:nvGrpSpPr>
-        <p:cNvPr id="1" name=""/>
-        <p:cNvGrpSpPr/>
-        <p:nvPr/>
-      </p:nvGrpSpPr>
-      <p:grpSpPr>
-        <a:xfrm>
-          <a:off x="0" y="0"/>
-          <a:ext cx="0" cy="0"/>
-          <a:chOff x="0" y="0"/>
-          <a:chExt cx="0" cy="0"/>
-        </a:xfrm>
-      </p:grpSpPr>
-      <p:sp>
-        <p:nvSpPr>
-          <p:cNvPr id="2" name="標題 1"/>
-          <p:cNvSpPr>
-            <a:spLocks noGrp="1"/>
-          </p:cNvSpPr>
-          <p:nvPr>
-            <p:ph type="title"/>
-          </p:nvPr>
-        </p:nvSpPr>
-        <p:spPr/>
-        <p:txBody>
-          <a:bodyPr/>
-          <a:lstStyle/>
-          <a:p>
-            <a:r>
-              <a:rPr lang="en-US" altLang="zh-TW" dirty="0"/>
-              <a:t>GCE</a:t>
-            </a:r>
-            <a:r>
-              <a:rPr lang="zh-TW" altLang="en-US" dirty="0"/>
-              <a:t>排程 </a:t>
-            </a:r>
-            <a:r>
-              <a:rPr lang="en-US" altLang="zh-TW" dirty="0"/>
-              <a:t>– </a:t>
-            </a:r>
-            <a:r>
-              <a:rPr lang="zh-TW" altLang="en-US" dirty="0"/>
-              <a:t>以虛擬環境來跑</a:t>
-            </a:r>
-            <a:endParaRPr lang="zh-TW" altLang="en-US" dirty="0"/>
-          </a:p>
-        </p:txBody>
-      </p:sp>
-      <p:sp>
-        <p:nvSpPr>
-          <p:cNvPr id="3" name="內容版面配置區 2"/>
-          <p:cNvSpPr>
-            <a:spLocks noGrp="1"/>
-          </p:cNvSpPr>
-          <p:nvPr>
-            <p:ph idx="1"/>
-          </p:nvPr>
-        </p:nvSpPr>
-        <p:spPr/>
-        <p:txBody>
-          <a:bodyPr/>
-          <a:lstStyle/>
-          <a:p>
-            <a:r>
-              <a:rPr lang="en-US" altLang="zh-TW" dirty="0" err="1"/>
-              <a:t>mkdir</a:t>
-            </a:r>
-            <a:r>
-              <a:rPr lang="en-US" altLang="zh-TW" dirty="0"/>
-              <a:t> </a:t>
-            </a:r>
-            <a:r>
-              <a:rPr lang="en-US" altLang="zh-TW" dirty="0" err="1" smtClean="0"/>
-              <a:t>line_env</a:t>
-            </a:r>
-            <a:endParaRPr lang="en-US" altLang="zh-TW" dirty="0" smtClean="0"/>
-          </a:p>
-          <a:p>
-            <a:r>
-              <a:rPr lang="en-US" altLang="zh-TW" dirty="0"/>
-              <a:t>cd </a:t>
-            </a:r>
-            <a:r>
-              <a:rPr lang="en-US" altLang="zh-TW" dirty="0" err="1"/>
-              <a:t>line_env</a:t>
-            </a:r>
-            <a:r>
-              <a:rPr lang="en-US" altLang="zh-TW" dirty="0" smtClean="0"/>
-              <a:t>/</a:t>
-            </a:r>
-          </a:p>
-          <a:p>
-            <a:r>
-              <a:rPr lang="en-US" altLang="zh-TW" dirty="0"/>
-              <a:t>python3 -m </a:t>
-            </a:r>
-            <a:r>
-              <a:rPr lang="en-US" altLang="zh-TW" dirty="0" err="1"/>
-              <a:t>venv</a:t>
-            </a:r>
-            <a:r>
-              <a:rPr lang="en-US" altLang="zh-TW" dirty="0"/>
-              <a:t> </a:t>
-            </a:r>
-            <a:r>
-              <a:rPr lang="en-US" altLang="zh-TW" dirty="0" err="1" smtClean="0"/>
-              <a:t>venv</a:t>
-            </a:r>
-            <a:endParaRPr lang="en-US" altLang="zh-TW" dirty="0" smtClean="0"/>
-          </a:p>
-          <a:p>
-            <a:r>
-              <a:rPr lang="en-US" altLang="zh-TW" dirty="0"/>
-              <a:t>source </a:t>
-            </a:r>
-            <a:r>
-              <a:rPr lang="en-US" altLang="zh-TW" dirty="0" err="1" smtClean="0"/>
-              <a:t>venv</a:t>
-            </a:r>
-            <a:r>
-              <a:rPr lang="en-US" altLang="zh-TW" dirty="0" smtClean="0"/>
-              <a:t>/bin/activate</a:t>
-            </a:r>
-          </a:p>
-          <a:p>
-            <a:r>
-              <a:rPr lang="en-US" altLang="zh-TW" dirty="0"/>
-              <a:t>pip install requests</a:t>
-            </a:r>
-            <a:endParaRPr lang="en-US" altLang="zh-TW" dirty="0" smtClean="0"/>
-          </a:p>
-          <a:p>
-            <a:endParaRPr lang="zh-TW" altLang="en-US" dirty="0"/>
-          </a:p>
-        </p:txBody>
-      </p:sp>
-      <p:pic>
-        <p:nvPicPr>
-          <p:cNvPr id="4098" name="Picture 2"/>
-          <p:cNvPicPr>
-            <a:picLocks noChangeAspect="1" noChangeArrowheads="1"/>
-          </p:cNvPicPr>
-          <p:nvPr/>
-        </p:nvPicPr>
-        <p:blipFill>
-          <a:blip r:embed="rId2">
-            <a:extLst>
-              <a:ext uri="{28A0092B-C50C-407E-A947-70E740481C1C}">
-                <a14:useLocalDpi xmlns:a14="http://schemas.microsoft.com/office/drawing/2010/main" val="0"/>
-              </a:ext>
-            </a:extLst>
-          </a:blip>
-          <a:srcRect/>
-          <a:stretch>
-            <a:fillRect/>
-          </a:stretch>
-        </p:blipFill>
-        <p:spPr bwMode="auto">
-          <a:xfrm>
-            <a:off x="1331640" y="3789040"/>
-            <a:ext cx="4600575" cy="1638300"/>
-          </a:xfrm>
-          <a:prstGeom prst="rect">
-            <a:avLst/>
-          </a:prstGeom>
-          <a:noFill/>
-          <a:ln>
-            <a:noFill/>
-          </a:ln>
-          <a:effectLst/>
-          <a:extLst>
-            <a:ext uri="{909E8E84-426E-40DD-AFC4-6F175D3DCCD1}">
-              <a14:hiddenFill xmlns:a14="http://schemas.microsoft.com/office/drawing/2010/main">
-                <a:solidFill>
-                  <a:schemeClr val="accent1"/>
-                </a:solidFill>
-              </a14:hiddenFill>
-            </a:ext>
-            <a:ext uri="{91240B29-F687-4F45-9708-019B960494DF}">
-              <a14:hiddenLine xmlns:a14="http://schemas.microsoft.com/office/drawing/2010/main" w="9525">
-                <a:solidFill>
-                  <a:schemeClr val="tx1"/>
-                </a:solidFill>
-                <a:miter lim="800000"/>
-                <a:headEnd/>
-                <a:tailEnd/>
-              </a14:hiddenLine>
-            </a:ext>
-            <a:ext uri="{AF507438-7753-43E0-B8FC-AC1667EBCBE1}">
-              <a14:hiddenEffects xmlns:a14="http://schemas.microsoft.com/office/drawing/2010/main">
-                <a:effectLst>
-                  <a:outerShdw dist="35921" dir="2700000" algn="ctr" rotWithShape="0">
-                    <a:schemeClr val="bg2"/>
-                  </a:outerShdw>
-                </a:effectLst>
-              </a14:hiddenEffects>
-            </a:ext>
-          </a:extLst>
-        </p:spPr>
-      </p:pic>
-    </p:spTree>
-    <p:extLst>
-      <p:ext uri="{BB962C8B-B14F-4D97-AF65-F5344CB8AC3E}">
-        <p14:creationId xmlns:p14="http://schemas.microsoft.com/office/powerpoint/2010/main" val="1975820382"/>
-      </p:ext>
-    </p:extLst>
-  </p:cSld>
-  <p:clrMapOvr>
-    <a:masterClrMapping/>
-  </p:clrMapOvr>
-  <p:timing>
-    <p:tnLst>
-      <p:par>
-        <p:cTn id="1" dur="indefinite" restart="never" nodeType="tmRoot"/>
-      </p:par>
-    </p:tnLst>
-  </p:timing>
 </p:sld>
 </file>
 
@@ -6884,6 +6407,13 @@
   <p:clrMapOvr>
     <a:masterClrMapping/>
   </p:clrMapOvr>
+  <p:timing>
+    <p:tnLst>
+      <p:par>
+        <p:cTn id="1" dur="indefinite" restart="never" nodeType="tmRoot"/>
+      </p:par>
+    </p:tnLst>
+  </p:timing>
 </p:sld>
 </file>
 

--- a/Day3/Day3-3.pptx
+++ b/Day3/Day3-3.pptx
@@ -5,7 +5,7 @@
     <p:sldMasterId id="2147483660" r:id="rId1"/>
   </p:sldMasterIdLst>
   <p:notesMasterIdLst>
-    <p:notesMasterId r:id="rId17"/>
+    <p:notesMasterId r:id="rId18"/>
   </p:notesMasterIdLst>
   <p:sldIdLst>
     <p:sldId id="256" r:id="rId2"/>
@@ -23,6 +23,7 @@
     <p:sldId id="290" r:id="rId14"/>
     <p:sldId id="299" r:id="rId15"/>
     <p:sldId id="291" r:id="rId16"/>
+    <p:sldId id="301" r:id="rId17"/>
   </p:sldIdLst>
   <p:sldSz cx="9144000" cy="6858000" type="screen4x3"/>
   <p:notesSz cx="6858000" cy="9144000"/>
@@ -206,7 +207,7 @@
           <a:p>
             <a:fld id="{D4CB86DC-20C9-45AA-9C21-5865177CCC2D}" type="datetimeFigureOut">
               <a:rPr lang="zh-TW" altLang="en-US" smtClean="0"/>
-              <a:t>2020/7/18</a:t>
+              <a:t>2020/7/22</a:t>
             </a:fld>
             <a:endParaRPr lang="zh-TW" altLang="en-US"/>
           </a:p>
@@ -668,7 +669,7 @@
           <a:p>
             <a:fld id="{5BBEAD13-0566-4C6C-97E7-55F17F24B09F}" type="datetimeFigureOut">
               <a:rPr lang="zh-TW" altLang="en-US" smtClean="0"/>
-              <a:t>2020/7/18</a:t>
+              <a:t>2020/7/22</a:t>
             </a:fld>
             <a:endParaRPr lang="zh-TW" altLang="en-US"/>
           </a:p>
@@ -833,7 +834,7 @@
           <a:p>
             <a:fld id="{5BBEAD13-0566-4C6C-97E7-55F17F24B09F}" type="datetimeFigureOut">
               <a:rPr lang="zh-TW" altLang="en-US" smtClean="0"/>
-              <a:t>2020/7/18</a:t>
+              <a:t>2020/7/22</a:t>
             </a:fld>
             <a:endParaRPr lang="zh-TW" altLang="en-US"/>
           </a:p>
@@ -1008,7 +1009,7 @@
           <a:p>
             <a:fld id="{5BBEAD13-0566-4C6C-97E7-55F17F24B09F}" type="datetimeFigureOut">
               <a:rPr lang="zh-TW" altLang="en-US" smtClean="0"/>
-              <a:t>2020/7/18</a:t>
+              <a:t>2020/7/22</a:t>
             </a:fld>
             <a:endParaRPr lang="zh-TW" altLang="en-US"/>
           </a:p>
@@ -1173,7 +1174,7 @@
           <a:p>
             <a:fld id="{5BBEAD13-0566-4C6C-97E7-55F17F24B09F}" type="datetimeFigureOut">
               <a:rPr lang="zh-TW" altLang="en-US" smtClean="0"/>
-              <a:t>2020/7/18</a:t>
+              <a:t>2020/7/22</a:t>
             </a:fld>
             <a:endParaRPr lang="zh-TW" altLang="en-US"/>
           </a:p>
@@ -1414,7 +1415,7 @@
           <a:p>
             <a:fld id="{5BBEAD13-0566-4C6C-97E7-55F17F24B09F}" type="datetimeFigureOut">
               <a:rPr lang="zh-TW" altLang="en-US" smtClean="0"/>
-              <a:t>2020/7/18</a:t>
+              <a:t>2020/7/22</a:t>
             </a:fld>
             <a:endParaRPr lang="zh-TW" altLang="en-US"/>
           </a:p>
@@ -1697,7 +1698,7 @@
           <a:p>
             <a:fld id="{5BBEAD13-0566-4C6C-97E7-55F17F24B09F}" type="datetimeFigureOut">
               <a:rPr lang="zh-TW" altLang="en-US" smtClean="0"/>
-              <a:t>2020/7/18</a:t>
+              <a:t>2020/7/22</a:t>
             </a:fld>
             <a:endParaRPr lang="zh-TW" altLang="en-US"/>
           </a:p>
@@ -2126,7 +2127,7 @@
           <a:p>
             <a:fld id="{5BBEAD13-0566-4C6C-97E7-55F17F24B09F}" type="datetimeFigureOut">
               <a:rPr lang="zh-TW" altLang="en-US" smtClean="0"/>
-              <a:t>2020/7/18</a:t>
+              <a:t>2020/7/22</a:t>
             </a:fld>
             <a:endParaRPr lang="zh-TW" altLang="en-US"/>
           </a:p>
@@ -2239,7 +2240,7 @@
           <a:p>
             <a:fld id="{5BBEAD13-0566-4C6C-97E7-55F17F24B09F}" type="datetimeFigureOut">
               <a:rPr lang="zh-TW" altLang="en-US" smtClean="0"/>
-              <a:t>2020/7/18</a:t>
+              <a:t>2020/7/22</a:t>
             </a:fld>
             <a:endParaRPr lang="zh-TW" altLang="en-US"/>
           </a:p>
@@ -2329,7 +2330,7 @@
           <a:p>
             <a:fld id="{5BBEAD13-0566-4C6C-97E7-55F17F24B09F}" type="datetimeFigureOut">
               <a:rPr lang="zh-TW" altLang="en-US" smtClean="0"/>
-              <a:t>2020/7/18</a:t>
+              <a:t>2020/7/22</a:t>
             </a:fld>
             <a:endParaRPr lang="zh-TW" altLang="en-US"/>
           </a:p>
@@ -2518,7 +2519,7 @@
           <a:p>
             <a:fld id="{5BBEAD13-0566-4C6C-97E7-55F17F24B09F}" type="datetimeFigureOut">
               <a:rPr lang="zh-TW" altLang="en-US" smtClean="0"/>
-              <a:t>2020/7/18</a:t>
+              <a:t>2020/7/22</a:t>
             </a:fld>
             <a:endParaRPr lang="zh-TW" altLang="en-US"/>
           </a:p>
@@ -2836,7 +2837,7 @@
           <a:p>
             <a:fld id="{5BBEAD13-0566-4C6C-97E7-55F17F24B09F}" type="datetimeFigureOut">
               <a:rPr lang="zh-TW" altLang="en-US" smtClean="0"/>
-              <a:t>2020/7/18</a:t>
+              <a:t>2020/7/22</a:t>
             </a:fld>
             <a:endParaRPr lang="zh-TW" altLang="en-US"/>
           </a:p>
@@ -3215,7 +3216,7 @@
           <a:p>
             <a:fld id="{5BBEAD13-0566-4C6C-97E7-55F17F24B09F}" type="datetimeFigureOut">
               <a:rPr lang="zh-TW" altLang="en-US" smtClean="0"/>
-              <a:t>2020/7/18</a:t>
+              <a:t>2020/7/22</a:t>
             </a:fld>
             <a:endParaRPr lang="zh-TW" altLang="en-US"/>
           </a:p>
@@ -3948,11 +3949,7 @@
             </a:r>
             <a:r>
               <a:rPr lang="zh-TW" altLang="en-US" dirty="0" smtClean="0"/>
-              <a:t>排</a:t>
-            </a:r>
-            <a:r>
-              <a:rPr lang="zh-TW" altLang="en-US" dirty="0" smtClean="0"/>
-              <a:t>程</a:t>
+              <a:t>排程</a:t>
             </a:r>
             <a:endParaRPr lang="zh-TW" altLang="en-US" dirty="0"/>
           </a:p>
@@ -4217,22 +4214,19 @@
                   <a:srgbClr val="FF0000"/>
                 </a:solidFill>
               </a:rPr>
-              <a:t>home/malo_richart/line_env/test1/</a:t>
+              <a:t>home/malo_richart/</a:t>
             </a:r>
             <a:r>
               <a:rPr lang="en-US" altLang="zh-TW" dirty="0" smtClean="0"/>
               <a:t>test.py</a:t>
             </a:r>
+            <a:endParaRPr lang="en-US" altLang="zh-TW" dirty="0" smtClean="0"/>
           </a:p>
           <a:p>
             <a:pPr lvl="1"/>
             <a:r>
               <a:rPr lang="zh-TW" altLang="en-US" dirty="0" smtClean="0"/>
-              <a:t>這個指令欄位在檔案中有</a:t>
-            </a:r>
-            <a:r>
-              <a:rPr lang="zh-TW" altLang="en-US" dirty="0" smtClean="0"/>
-              <a:t>說明</a:t>
+              <a:t>這個指令欄位在檔案中有說明</a:t>
             </a:r>
             <a:endParaRPr lang="en-US" altLang="zh-TW" dirty="0" smtClean="0"/>
           </a:p>
@@ -4902,6 +4896,212 @@
     <p:extLst>
       <p:ext uri="{BB962C8B-B14F-4D97-AF65-F5344CB8AC3E}">
         <p14:creationId xmlns:p14="http://schemas.microsoft.com/office/powerpoint/2010/main" val="138925075"/>
+      </p:ext>
+    </p:extLst>
+  </p:cSld>
+  <p:clrMapOvr>
+    <a:masterClrMapping/>
+  </p:clrMapOvr>
+</p:sld>
+</file>
+
+<file path=ppt/slides/slide16.xml><?xml version="1.0" encoding="utf-8"?>
+<p:sld xmlns:a="http://schemas.openxmlformats.org/drawingml/2006/main" xmlns:r="http://schemas.openxmlformats.org/officeDocument/2006/relationships" xmlns:p="http://schemas.openxmlformats.org/presentationml/2006/main">
+  <p:cSld>
+    <p:spTree>
+      <p:nvGrpSpPr>
+        <p:cNvPr id="1" name=""/>
+        <p:cNvGrpSpPr/>
+        <p:nvPr/>
+      </p:nvGrpSpPr>
+      <p:grpSpPr>
+        <a:xfrm>
+          <a:off x="0" y="0"/>
+          <a:ext cx="0" cy="0"/>
+          <a:chOff x="0" y="0"/>
+          <a:chExt cx="0" cy="0"/>
+        </a:xfrm>
+      </p:grpSpPr>
+      <p:sp>
+        <p:nvSpPr>
+          <p:cNvPr id="2" name="標題 1"/>
+          <p:cNvSpPr>
+            <a:spLocks noGrp="1"/>
+          </p:cNvSpPr>
+          <p:nvPr>
+            <p:ph type="title"/>
+          </p:nvPr>
+        </p:nvSpPr>
+        <p:spPr/>
+        <p:txBody>
+          <a:bodyPr/>
+          <a:lstStyle/>
+          <a:p>
+            <a:r>
+              <a:rPr lang="en-US" altLang="zh-TW" dirty="0" smtClean="0"/>
+              <a:t>GCE</a:t>
+            </a:r>
+            <a:r>
+              <a:rPr lang="zh-TW" altLang="en-US" dirty="0" smtClean="0"/>
+              <a:t>排程</a:t>
+            </a:r>
+            <a:endParaRPr lang="zh-TW" altLang="en-US" dirty="0"/>
+          </a:p>
+        </p:txBody>
+      </p:sp>
+      <p:sp>
+        <p:nvSpPr>
+          <p:cNvPr id="3" name="內容版面配置區 2"/>
+          <p:cNvSpPr>
+            <a:spLocks noGrp="1"/>
+          </p:cNvSpPr>
+          <p:nvPr>
+            <p:ph idx="1"/>
+          </p:nvPr>
+        </p:nvSpPr>
+        <p:spPr/>
+        <p:txBody>
+          <a:bodyPr>
+            <a:normAutofit/>
+          </a:bodyPr>
+          <a:lstStyle/>
+          <a:p>
+            <a:r>
+              <a:rPr lang="zh-TW" altLang="en-US" dirty="0" smtClean="0"/>
+              <a:t>排</a:t>
+            </a:r>
+            <a:r>
+              <a:rPr lang="zh-TW" altLang="en-US" dirty="0" smtClean="0"/>
+              <a:t>程如果需要限時間</a:t>
+            </a:r>
+            <a:endParaRPr lang="en-US" altLang="zh-TW" dirty="0" smtClean="0"/>
+          </a:p>
+          <a:p>
+            <a:r>
+              <a:rPr lang="zh-TW" altLang="en-US" dirty="0" smtClean="0"/>
+              <a:t>每小時一次，但限定</a:t>
+            </a:r>
+            <a:r>
+              <a:rPr lang="en-US" altLang="zh-TW" dirty="0" smtClean="0"/>
+              <a:t>5</a:t>
+            </a:r>
+            <a:r>
+              <a:rPr lang="zh-TW" altLang="en-US" dirty="0" smtClean="0"/>
+              <a:t>分鐘就要結束程式</a:t>
+            </a:r>
+            <a:r>
+              <a:rPr lang="en-US" altLang="zh-TW" dirty="0"/>
+              <a:t/>
+            </a:r>
+            <a:br>
+              <a:rPr lang="en-US" altLang="zh-TW" dirty="0"/>
+            </a:br>
+            <a:r>
+              <a:rPr lang="en-US" altLang="zh-TW" dirty="0"/>
+              <a:t>0</a:t>
+            </a:r>
+            <a:r>
+              <a:rPr lang="en-US" altLang="zh-TW" dirty="0" smtClean="0"/>
+              <a:t> * </a:t>
+            </a:r>
+            <a:r>
+              <a:rPr lang="en-US" altLang="zh-TW" dirty="0"/>
+              <a:t>* * * timeout -s 9 </a:t>
+            </a:r>
+            <a:r>
+              <a:rPr lang="en-US" altLang="zh-TW" dirty="0" smtClean="0"/>
+              <a:t>300 /home/malo/run.sh</a:t>
+            </a:r>
+          </a:p>
+          <a:p>
+            <a:r>
+              <a:rPr lang="zh-TW" altLang="en-US" dirty="0" smtClean="0"/>
+              <a:t>每</a:t>
+            </a:r>
+            <a:r>
+              <a:rPr lang="en-US" altLang="zh-TW" dirty="0" smtClean="0"/>
+              <a:t>2</a:t>
+            </a:r>
+            <a:r>
+              <a:rPr lang="zh-TW" altLang="en-US" dirty="0" smtClean="0"/>
+              <a:t>小時一次</a:t>
+            </a:r>
+            <a:r>
+              <a:rPr lang="zh-TW" altLang="en-US" dirty="0"/>
+              <a:t>，</a:t>
+            </a:r>
+            <a:r>
+              <a:rPr lang="zh-TW" altLang="en-US" dirty="0" smtClean="0"/>
+              <a:t>但執行</a:t>
+            </a:r>
+            <a:r>
+              <a:rPr lang="en-US" altLang="zh-TW" dirty="0" smtClean="0"/>
+              <a:t>2</a:t>
+            </a:r>
+            <a:r>
+              <a:rPr lang="zh-TW" altLang="en-US" dirty="0" smtClean="0"/>
+              <a:t>小時，關閉程式重啟</a:t>
+            </a:r>
+            <a:r>
+              <a:rPr lang="en-US" altLang="zh-TW" dirty="0" smtClean="0"/>
+              <a:t>(60*60*2=7200</a:t>
+            </a:r>
+            <a:r>
+              <a:rPr lang="zh-TW" altLang="en-US" dirty="0" smtClean="0"/>
+              <a:t>，取</a:t>
+            </a:r>
+            <a:r>
+              <a:rPr lang="en-US" altLang="zh-TW" dirty="0" smtClean="0"/>
+              <a:t>7198</a:t>
+            </a:r>
+            <a:r>
+              <a:rPr lang="zh-TW" altLang="en-US" dirty="0" smtClean="0"/>
+              <a:t>停止，重新執行程式為了不要二個同時存在，互搶資源</a:t>
+            </a:r>
+            <a:r>
+              <a:rPr lang="en-US" altLang="zh-TW" dirty="0" smtClean="0"/>
+              <a:t>)</a:t>
+            </a:r>
+            <a:r>
+              <a:rPr lang="en-US" altLang="zh-TW" dirty="0"/>
+              <a:t/>
+            </a:r>
+            <a:br>
+              <a:rPr lang="en-US" altLang="zh-TW" dirty="0"/>
+            </a:br>
+            <a:r>
+              <a:rPr lang="en-US" altLang="zh-TW" dirty="0"/>
+              <a:t>0 </a:t>
+            </a:r>
+            <a:r>
+              <a:rPr lang="en-US" altLang="zh-TW" dirty="0" smtClean="0"/>
+              <a:t>*/2 </a:t>
+            </a:r>
+            <a:r>
+              <a:rPr lang="en-US" altLang="zh-TW" dirty="0"/>
+              <a:t>* * * timeout -s 9 </a:t>
+            </a:r>
+            <a:r>
+              <a:rPr lang="en-US" altLang="zh-TW" dirty="0" smtClean="0"/>
+              <a:t>7198 </a:t>
+            </a:r>
+            <a:r>
+              <a:rPr lang="en-US" altLang="zh-TW" dirty="0"/>
+              <a:t>/home/malo/run.sh</a:t>
+            </a:r>
+          </a:p>
+          <a:p>
+            <a:endParaRPr lang="en-US" altLang="zh-TW" dirty="0" smtClean="0"/>
+          </a:p>
+          <a:p>
+            <a:endParaRPr lang="zh-TW" altLang="en-US" dirty="0"/>
+          </a:p>
+        </p:txBody>
+      </p:sp>
+    </p:spTree>
+    <p:extLst>
+      <p:ext uri="{BB962C8B-B14F-4D97-AF65-F5344CB8AC3E}">
+        <p14:creationId xmlns:p14="http://schemas.microsoft.com/office/powerpoint/2010/main" val="2549352606"/>
       </p:ext>
     </p:extLst>
   </p:cSld>
